--- a/Fiber_Drawing_Tower/diagramme_fonctionnel_tour.pptx
+++ b/Fiber_Drawing_Tower/diagramme_fonctionnel_tour.pptx
@@ -6,7 +6,6 @@
   </p:sldMasterIdLst>
   <p:sldIdLst>
     <p:sldId id="256" r:id="rId2"/>
-    <p:sldId id="257" r:id="rId3"/>
   </p:sldIdLst>
   <p:sldSz cx="12192000" cy="6858000"/>
   <p:notesSz cx="6858000" cy="9144000"/>
@@ -105,7 +104,448 @@
       </a:defRPr>
     </a:lvl9pPr>
   </p:defaultTextStyle>
+  <p:extLst>
+    <p:ext uri="{EFAFB233-063F-42B5-8137-9DF3F51BA10A}">
+      <p15:sldGuideLst xmlns:p15="http://schemas.microsoft.com/office/powerpoint/2012/main"/>
+    </p:ext>
+  </p:extLst>
 </p:presentation>
+</file>
+
+<file path=ppt/revisionInfo.xml><?xml version="1.0" encoding="utf-8"?>
+<p1510:revInfo xmlns:a="http://schemas.openxmlformats.org/drawingml/2006/main" xmlns:r="http://schemas.openxmlformats.org/officeDocument/2006/relationships" xmlns:p1510="http://schemas.microsoft.com/office/powerpoint/2015/10/main">
+  <p1510:revLst>
+    <p1510:client id="{AA0FD96F-C235-4998-9976-077356EE7F45}" v="10" dt="2024-08-05T15:13:09.704"/>
+  </p1510:revLst>
+</p1510:revInfo>
+</file>
+
+<file path=ppt/changesInfos/changesInfo1.xml><?xml version="1.0" encoding="utf-8"?>
+<pc:chgInfo xmlns:a="http://schemas.openxmlformats.org/drawingml/2006/main" xmlns:r="http://schemas.openxmlformats.org/officeDocument/2006/relationships" xmlns:ac="http://schemas.microsoft.com/office/drawing/2013/main/command" xmlns:pc="http://schemas.microsoft.com/office/powerpoint/2013/main/command">
+  <pc:docChgLst>
+    <pc:chgData name="Alexandre Morrissette" userId="b5362ed8-01bb-4541-9502-c17197d8a38d" providerId="ADAL" clId="{AA0FD96F-C235-4998-9976-077356EE7F45}"/>
+    <pc:docChg chg="undo custSel delSld modSld">
+      <pc:chgData name="Alexandre Morrissette" userId="b5362ed8-01bb-4541-9502-c17197d8a38d" providerId="ADAL" clId="{AA0FD96F-C235-4998-9976-077356EE7F45}" dt="2024-08-05T15:16:44.153" v="370" actId="1076"/>
+      <pc:docMkLst>
+        <pc:docMk/>
+      </pc:docMkLst>
+      <pc:sldChg chg="addSp delSp modSp mod">
+        <pc:chgData name="Alexandre Morrissette" userId="b5362ed8-01bb-4541-9502-c17197d8a38d" providerId="ADAL" clId="{AA0FD96F-C235-4998-9976-077356EE7F45}" dt="2024-08-05T15:16:44.153" v="370" actId="1076"/>
+        <pc:sldMkLst>
+          <pc:docMk/>
+          <pc:sldMk cId="1092348468" sldId="256"/>
+        </pc:sldMkLst>
+        <pc:spChg chg="add mod">
+          <ac:chgData name="Alexandre Morrissette" userId="b5362ed8-01bb-4541-9502-c17197d8a38d" providerId="ADAL" clId="{AA0FD96F-C235-4998-9976-077356EE7F45}" dt="2024-08-05T15:02:06.133" v="67" actId="20577"/>
+          <ac:spMkLst>
+            <pc:docMk/>
+            <pc:sldMk cId="1092348468" sldId="256"/>
+            <ac:spMk id="2" creationId="{8FAB84FE-4440-FEF5-F855-25308C097D39}"/>
+          </ac:spMkLst>
+        </pc:spChg>
+        <pc:spChg chg="mod topLvl">
+          <ac:chgData name="Alexandre Morrissette" userId="b5362ed8-01bb-4541-9502-c17197d8a38d" providerId="ADAL" clId="{AA0FD96F-C235-4998-9976-077356EE7F45}" dt="2024-08-05T15:09:43.101" v="192" actId="165"/>
+          <ac:spMkLst>
+            <pc:docMk/>
+            <pc:sldMk cId="1092348468" sldId="256"/>
+            <ac:spMk id="4" creationId="{53B11A6D-B48B-05DD-46E4-2F56D3D6314F}"/>
+          </ac:spMkLst>
+        </pc:spChg>
+        <pc:spChg chg="mod topLvl">
+          <ac:chgData name="Alexandre Morrissette" userId="b5362ed8-01bb-4541-9502-c17197d8a38d" providerId="ADAL" clId="{AA0FD96F-C235-4998-9976-077356EE7F45}" dt="2024-08-05T15:09:43.101" v="192" actId="165"/>
+          <ac:spMkLst>
+            <pc:docMk/>
+            <pc:sldMk cId="1092348468" sldId="256"/>
+            <ac:spMk id="5" creationId="{8285D3C0-1F96-605D-0967-6043F2CF6D7F}"/>
+          </ac:spMkLst>
+        </pc:spChg>
+        <pc:spChg chg="mod topLvl">
+          <ac:chgData name="Alexandre Morrissette" userId="b5362ed8-01bb-4541-9502-c17197d8a38d" providerId="ADAL" clId="{AA0FD96F-C235-4998-9976-077356EE7F45}" dt="2024-08-05T15:15:47.253" v="367" actId="1076"/>
+          <ac:spMkLst>
+            <pc:docMk/>
+            <pc:sldMk cId="1092348468" sldId="256"/>
+            <ac:spMk id="6" creationId="{3E51C04A-59EA-72C8-2F05-0A2AA3F9AAC3}"/>
+          </ac:spMkLst>
+        </pc:spChg>
+        <pc:spChg chg="mod topLvl">
+          <ac:chgData name="Alexandre Morrissette" userId="b5362ed8-01bb-4541-9502-c17197d8a38d" providerId="ADAL" clId="{AA0FD96F-C235-4998-9976-077356EE7F45}" dt="2024-08-05T15:09:58.222" v="194" actId="1076"/>
+          <ac:spMkLst>
+            <pc:docMk/>
+            <pc:sldMk cId="1092348468" sldId="256"/>
+            <ac:spMk id="7" creationId="{42E1471F-5B4E-406E-6E68-D7058E9313F0}"/>
+          </ac:spMkLst>
+        </pc:spChg>
+        <pc:spChg chg="mod topLvl">
+          <ac:chgData name="Alexandre Morrissette" userId="b5362ed8-01bb-4541-9502-c17197d8a38d" providerId="ADAL" clId="{AA0FD96F-C235-4998-9976-077356EE7F45}" dt="2024-08-05T15:09:43.101" v="192" actId="165"/>
+          <ac:spMkLst>
+            <pc:docMk/>
+            <pc:sldMk cId="1092348468" sldId="256"/>
+            <ac:spMk id="10" creationId="{FD05CB04-0B90-0A17-0024-1E7871624B2F}"/>
+          </ac:spMkLst>
+        </pc:spChg>
+        <pc:spChg chg="mod topLvl">
+          <ac:chgData name="Alexandre Morrissette" userId="b5362ed8-01bb-4541-9502-c17197d8a38d" providerId="ADAL" clId="{AA0FD96F-C235-4998-9976-077356EE7F45}" dt="2024-08-05T15:09:43.101" v="192" actId="165"/>
+          <ac:spMkLst>
+            <pc:docMk/>
+            <pc:sldMk cId="1092348468" sldId="256"/>
+            <ac:spMk id="12" creationId="{0D343779-40BE-0B2D-9E33-DE45D7001D97}"/>
+          </ac:spMkLst>
+        </pc:spChg>
+        <pc:spChg chg="mod topLvl">
+          <ac:chgData name="Alexandre Morrissette" userId="b5362ed8-01bb-4541-9502-c17197d8a38d" providerId="ADAL" clId="{AA0FD96F-C235-4998-9976-077356EE7F45}" dt="2024-08-05T15:15:47.253" v="367" actId="1076"/>
+          <ac:spMkLst>
+            <pc:docMk/>
+            <pc:sldMk cId="1092348468" sldId="256"/>
+            <ac:spMk id="22" creationId="{5C59D429-2DB9-57CE-CECF-69470E8C174D}"/>
+          </ac:spMkLst>
+        </pc:spChg>
+        <pc:spChg chg="mod">
+          <ac:chgData name="Alexandre Morrissette" userId="b5362ed8-01bb-4541-9502-c17197d8a38d" providerId="ADAL" clId="{AA0FD96F-C235-4998-9976-077356EE7F45}" dt="2024-08-05T15:15:19.038" v="362" actId="1076"/>
+          <ac:spMkLst>
+            <pc:docMk/>
+            <pc:sldMk cId="1092348468" sldId="256"/>
+            <ac:spMk id="28" creationId="{180CDB91-2F95-B6F4-3CD7-88731B03ED41}"/>
+          </ac:spMkLst>
+        </pc:spChg>
+        <pc:spChg chg="mod topLvl">
+          <ac:chgData name="Alexandre Morrissette" userId="b5362ed8-01bb-4541-9502-c17197d8a38d" providerId="ADAL" clId="{AA0FD96F-C235-4998-9976-077356EE7F45}" dt="2024-08-05T15:09:43.101" v="192" actId="165"/>
+          <ac:spMkLst>
+            <pc:docMk/>
+            <pc:sldMk cId="1092348468" sldId="256"/>
+            <ac:spMk id="40" creationId="{E45E892B-26A1-7722-05E7-ABDBEC54F7E7}"/>
+          </ac:spMkLst>
+        </pc:spChg>
+        <pc:spChg chg="add mod">
+          <ac:chgData name="Alexandre Morrissette" userId="b5362ed8-01bb-4541-9502-c17197d8a38d" providerId="ADAL" clId="{AA0FD96F-C235-4998-9976-077356EE7F45}" dt="2024-08-05T15:10:15.713" v="201" actId="20577"/>
+          <ac:spMkLst>
+            <pc:docMk/>
+            <pc:sldMk cId="1092348468" sldId="256"/>
+            <ac:spMk id="43" creationId="{1DB836C0-F90F-D2A4-7494-9A323970A510}"/>
+          </ac:spMkLst>
+        </pc:spChg>
+        <pc:spChg chg="add mod">
+          <ac:chgData name="Alexandre Morrissette" userId="b5362ed8-01bb-4541-9502-c17197d8a38d" providerId="ADAL" clId="{AA0FD96F-C235-4998-9976-077356EE7F45}" dt="2024-08-05T15:10:07.402" v="195" actId="1076"/>
+          <ac:spMkLst>
+            <pc:docMk/>
+            <pc:sldMk cId="1092348468" sldId="256"/>
+            <ac:spMk id="44" creationId="{5BA3B5A6-A668-CAFB-5B93-DEF3817350DF}"/>
+          </ac:spMkLst>
+        </pc:spChg>
+        <pc:spChg chg="mod topLvl">
+          <ac:chgData name="Alexandre Morrissette" userId="b5362ed8-01bb-4541-9502-c17197d8a38d" providerId="ADAL" clId="{AA0FD96F-C235-4998-9976-077356EE7F45}" dt="2024-08-05T15:09:43.101" v="192" actId="165"/>
+          <ac:spMkLst>
+            <pc:docMk/>
+            <pc:sldMk cId="1092348468" sldId="256"/>
+            <ac:spMk id="53" creationId="{4876996B-9336-4E5A-0DD8-6AC73E38D7AE}"/>
+          </ac:spMkLst>
+        </pc:spChg>
+        <pc:spChg chg="add mod">
+          <ac:chgData name="Alexandre Morrissette" userId="b5362ed8-01bb-4541-9502-c17197d8a38d" providerId="ADAL" clId="{AA0FD96F-C235-4998-9976-077356EE7F45}" dt="2024-08-05T15:16:40.965" v="369" actId="1076"/>
+          <ac:spMkLst>
+            <pc:docMk/>
+            <pc:sldMk cId="1092348468" sldId="256"/>
+            <ac:spMk id="65" creationId="{816D9D78-C1A5-47A8-8AA1-07AB6F598C93}"/>
+          </ac:spMkLst>
+        </pc:spChg>
+        <pc:spChg chg="add mod">
+          <ac:chgData name="Alexandre Morrissette" userId="b5362ed8-01bb-4541-9502-c17197d8a38d" providerId="ADAL" clId="{AA0FD96F-C235-4998-9976-077356EE7F45}" dt="2024-08-05T15:16:44.153" v="370" actId="1076"/>
+          <ac:spMkLst>
+            <pc:docMk/>
+            <pc:sldMk cId="1092348468" sldId="256"/>
+            <ac:spMk id="66" creationId="{70EFC88D-40E3-B3E3-752E-9A9615D51008}"/>
+          </ac:spMkLst>
+        </pc:spChg>
+        <pc:spChg chg="mod topLvl">
+          <ac:chgData name="Alexandre Morrissette" userId="b5362ed8-01bb-4541-9502-c17197d8a38d" providerId="ADAL" clId="{AA0FD96F-C235-4998-9976-077356EE7F45}" dt="2024-08-05T15:09:43.101" v="192" actId="165"/>
+          <ac:spMkLst>
+            <pc:docMk/>
+            <pc:sldMk cId="1092348468" sldId="256"/>
+            <ac:spMk id="69" creationId="{75DE21C1-2E6B-55BE-6ACB-774584264E54}"/>
+          </ac:spMkLst>
+        </pc:spChg>
+        <pc:spChg chg="mod topLvl">
+          <ac:chgData name="Alexandre Morrissette" userId="b5362ed8-01bb-4541-9502-c17197d8a38d" providerId="ADAL" clId="{AA0FD96F-C235-4998-9976-077356EE7F45}" dt="2024-08-05T15:09:43.101" v="192" actId="165"/>
+          <ac:spMkLst>
+            <pc:docMk/>
+            <pc:sldMk cId="1092348468" sldId="256"/>
+            <ac:spMk id="76" creationId="{5A11C2CC-7938-D63D-2158-60B521CE423B}"/>
+          </ac:spMkLst>
+        </pc:spChg>
+        <pc:spChg chg="mod topLvl">
+          <ac:chgData name="Alexandre Morrissette" userId="b5362ed8-01bb-4541-9502-c17197d8a38d" providerId="ADAL" clId="{AA0FD96F-C235-4998-9976-077356EE7F45}" dt="2024-08-05T15:15:47.253" v="367" actId="1076"/>
+          <ac:spMkLst>
+            <pc:docMk/>
+            <pc:sldMk cId="1092348468" sldId="256"/>
+            <ac:spMk id="91" creationId="{DBDD1BF2-C93C-5B83-15B7-F489AF75078E}"/>
+          </ac:spMkLst>
+        </pc:spChg>
+        <pc:spChg chg="del mod">
+          <ac:chgData name="Alexandre Morrissette" userId="b5362ed8-01bb-4541-9502-c17197d8a38d" providerId="ADAL" clId="{AA0FD96F-C235-4998-9976-077356EE7F45}" dt="2024-08-05T15:07:31.912" v="174" actId="478"/>
+          <ac:spMkLst>
+            <pc:docMk/>
+            <pc:sldMk cId="1092348468" sldId="256"/>
+            <ac:spMk id="92" creationId="{99364971-6885-D9C3-9CA2-2497739FB8BD}"/>
+          </ac:spMkLst>
+        </pc:spChg>
+        <pc:spChg chg="mod topLvl">
+          <ac:chgData name="Alexandre Morrissette" userId="b5362ed8-01bb-4541-9502-c17197d8a38d" providerId="ADAL" clId="{AA0FD96F-C235-4998-9976-077356EE7F45}" dt="2024-08-05T15:15:47.253" v="367" actId="1076"/>
+          <ac:spMkLst>
+            <pc:docMk/>
+            <pc:sldMk cId="1092348468" sldId="256"/>
+            <ac:spMk id="93" creationId="{C4D90F32-D664-B3FD-9C3D-1AC23D26F5B0}"/>
+          </ac:spMkLst>
+        </pc:spChg>
+        <pc:spChg chg="mod topLvl">
+          <ac:chgData name="Alexandre Morrissette" userId="b5362ed8-01bb-4541-9502-c17197d8a38d" providerId="ADAL" clId="{AA0FD96F-C235-4998-9976-077356EE7F45}" dt="2024-08-05T15:09:58.222" v="194" actId="1076"/>
+          <ac:spMkLst>
+            <pc:docMk/>
+            <pc:sldMk cId="1092348468" sldId="256"/>
+            <ac:spMk id="95" creationId="{47415F98-B283-7DC2-3AA1-47361C3E4C22}"/>
+          </ac:spMkLst>
+        </pc:spChg>
+        <pc:spChg chg="del mod topLvl">
+          <ac:chgData name="Alexandre Morrissette" userId="b5362ed8-01bb-4541-9502-c17197d8a38d" providerId="ADAL" clId="{AA0FD96F-C235-4998-9976-077356EE7F45}" dt="2024-08-05T15:11:30.961" v="225" actId="478"/>
+          <ac:spMkLst>
+            <pc:docMk/>
+            <pc:sldMk cId="1092348468" sldId="256"/>
+            <ac:spMk id="96" creationId="{DEC2B19C-B436-3045-9791-2D5BE7ED8D70}"/>
+          </ac:spMkLst>
+        </pc:spChg>
+        <pc:spChg chg="del mod">
+          <ac:chgData name="Alexandre Morrissette" userId="b5362ed8-01bb-4541-9502-c17197d8a38d" providerId="ADAL" clId="{AA0FD96F-C235-4998-9976-077356EE7F45}" dt="2024-08-05T15:11:29.713" v="224" actId="478"/>
+          <ac:spMkLst>
+            <pc:docMk/>
+            <pc:sldMk cId="1092348468" sldId="256"/>
+            <ac:spMk id="97" creationId="{54C0324E-A133-99E0-F6A3-09F5D6DEDA9D}"/>
+          </ac:spMkLst>
+        </pc:spChg>
+        <pc:spChg chg="del mod topLvl">
+          <ac:chgData name="Alexandre Morrissette" userId="b5362ed8-01bb-4541-9502-c17197d8a38d" providerId="ADAL" clId="{AA0FD96F-C235-4998-9976-077356EE7F45}" dt="2024-08-05T15:11:24.705" v="219" actId="478"/>
+          <ac:spMkLst>
+            <pc:docMk/>
+            <pc:sldMk cId="1092348468" sldId="256"/>
+            <ac:spMk id="98" creationId="{E7E3CB94-3A47-695E-F44F-8F34F432BFB6}"/>
+          </ac:spMkLst>
+        </pc:spChg>
+        <pc:spChg chg="del mod topLvl">
+          <ac:chgData name="Alexandre Morrissette" userId="b5362ed8-01bb-4541-9502-c17197d8a38d" providerId="ADAL" clId="{AA0FD96F-C235-4998-9976-077356EE7F45}" dt="2024-08-05T15:11:19.393" v="214" actId="478"/>
+          <ac:spMkLst>
+            <pc:docMk/>
+            <pc:sldMk cId="1092348468" sldId="256"/>
+            <ac:spMk id="100" creationId="{5A65B6DE-A99A-7DDA-E5A9-7970A117D537}"/>
+          </ac:spMkLst>
+        </pc:spChg>
+        <pc:spChg chg="del">
+          <ac:chgData name="Alexandre Morrissette" userId="b5362ed8-01bb-4541-9502-c17197d8a38d" providerId="ADAL" clId="{AA0FD96F-C235-4998-9976-077356EE7F45}" dt="2024-08-05T15:12:06.433" v="246" actId="478"/>
+          <ac:spMkLst>
+            <pc:docMk/>
+            <pc:sldMk cId="1092348468" sldId="256"/>
+            <ac:spMk id="101" creationId="{114A34DD-9502-8A2C-196E-2E46F1EF65EF}"/>
+          </ac:spMkLst>
+        </pc:spChg>
+        <pc:spChg chg="del">
+          <ac:chgData name="Alexandre Morrissette" userId="b5362ed8-01bb-4541-9502-c17197d8a38d" providerId="ADAL" clId="{AA0FD96F-C235-4998-9976-077356EE7F45}" dt="2024-08-05T15:12:03.799" v="245" actId="478"/>
+          <ac:spMkLst>
+            <pc:docMk/>
+            <pc:sldMk cId="1092348468" sldId="256"/>
+            <ac:spMk id="109" creationId="{259D4532-D09C-39B1-2B79-F55B21D69826}"/>
+          </ac:spMkLst>
+        </pc:spChg>
+        <pc:spChg chg="del mod">
+          <ac:chgData name="Alexandre Morrissette" userId="b5362ed8-01bb-4541-9502-c17197d8a38d" providerId="ADAL" clId="{AA0FD96F-C235-4998-9976-077356EE7F45}" dt="2024-08-05T15:01:19.893" v="17" actId="478"/>
+          <ac:spMkLst>
+            <pc:docMk/>
+            <pc:sldMk cId="1092348468" sldId="256"/>
+            <ac:spMk id="119" creationId="{508788A0-5F52-21D7-7CA6-E6249B71A0A5}"/>
+          </ac:spMkLst>
+        </pc:spChg>
+        <pc:grpChg chg="del mod">
+          <ac:chgData name="Alexandre Morrissette" userId="b5362ed8-01bb-4541-9502-c17197d8a38d" providerId="ADAL" clId="{AA0FD96F-C235-4998-9976-077356EE7F45}" dt="2024-08-05T15:09:43.101" v="192" actId="165"/>
+          <ac:grpSpMkLst>
+            <pc:docMk/>
+            <pc:sldMk cId="1092348468" sldId="256"/>
+            <ac:grpSpMk id="108" creationId="{2448568E-6018-87B2-547E-0450EA47B63A}"/>
+          </ac:grpSpMkLst>
+        </pc:grpChg>
+        <pc:cxnChg chg="add del mod">
+          <ac:chgData name="Alexandre Morrissette" userId="b5362ed8-01bb-4541-9502-c17197d8a38d" providerId="ADAL" clId="{AA0FD96F-C235-4998-9976-077356EE7F45}" dt="2024-08-05T15:15:26.124" v="365" actId="14100"/>
+          <ac:cxnSpMkLst>
+            <pc:docMk/>
+            <pc:sldMk cId="1092348468" sldId="256"/>
+            <ac:cxnSpMk id="9" creationId="{51FD46E7-D8F3-1CE2-84C9-71DDB9F7E6AF}"/>
+          </ac:cxnSpMkLst>
+        </pc:cxnChg>
+        <pc:cxnChg chg="del mod topLvl">
+          <ac:chgData name="Alexandre Morrissette" userId="b5362ed8-01bb-4541-9502-c17197d8a38d" providerId="ADAL" clId="{AA0FD96F-C235-4998-9976-077356EE7F45}" dt="2024-08-05T15:11:20.370" v="215" actId="478"/>
+          <ac:cxnSpMkLst>
+            <pc:docMk/>
+            <pc:sldMk cId="1092348468" sldId="256"/>
+            <ac:cxnSpMk id="16" creationId="{11CDED41-8F5D-274F-4574-2E7B248AC9F8}"/>
+          </ac:cxnSpMkLst>
+        </pc:cxnChg>
+        <pc:cxnChg chg="del mod topLvl">
+          <ac:chgData name="Alexandre Morrissette" userId="b5362ed8-01bb-4541-9502-c17197d8a38d" providerId="ADAL" clId="{AA0FD96F-C235-4998-9976-077356EE7F45}" dt="2024-08-05T15:11:25.509" v="220" actId="478"/>
+          <ac:cxnSpMkLst>
+            <pc:docMk/>
+            <pc:sldMk cId="1092348468" sldId="256"/>
+            <ac:cxnSpMk id="19" creationId="{9DBEDF3E-1326-CD39-E62D-D3F6327B2CAD}"/>
+          </ac:cxnSpMkLst>
+        </pc:cxnChg>
+        <pc:cxnChg chg="mod topLvl">
+          <ac:chgData name="Alexandre Morrissette" userId="b5362ed8-01bb-4541-9502-c17197d8a38d" providerId="ADAL" clId="{AA0FD96F-C235-4998-9976-077356EE7F45}" dt="2024-08-05T15:15:47.253" v="367" actId="1076"/>
+          <ac:cxnSpMkLst>
+            <pc:docMk/>
+            <pc:sldMk cId="1092348468" sldId="256"/>
+            <ac:cxnSpMk id="24" creationId="{18268B11-5E8E-EA6F-45FA-A28EC2F06139}"/>
+          </ac:cxnSpMkLst>
+        </pc:cxnChg>
+        <pc:cxnChg chg="del">
+          <ac:chgData name="Alexandre Morrissette" userId="b5362ed8-01bb-4541-9502-c17197d8a38d" providerId="ADAL" clId="{AA0FD96F-C235-4998-9976-077356EE7F45}" dt="2024-08-05T15:12:11.288" v="247" actId="478"/>
+          <ac:cxnSpMkLst>
+            <pc:docMk/>
+            <pc:sldMk cId="1092348468" sldId="256"/>
+            <ac:cxnSpMk id="27" creationId="{0F5B7B14-90DB-3B7D-7873-6CE210D5695B}"/>
+          </ac:cxnSpMkLst>
+        </pc:cxnChg>
+        <pc:cxnChg chg="del mod">
+          <ac:chgData name="Alexandre Morrissette" userId="b5362ed8-01bb-4541-9502-c17197d8a38d" providerId="ADAL" clId="{AA0FD96F-C235-4998-9976-077356EE7F45}" dt="2024-08-05T15:11:48.011" v="239" actId="478"/>
+          <ac:cxnSpMkLst>
+            <pc:docMk/>
+            <pc:sldMk cId="1092348468" sldId="256"/>
+            <ac:cxnSpMk id="29" creationId="{0B6CAB4A-6062-4BBB-97A1-F763676C4853}"/>
+          </ac:cxnSpMkLst>
+        </pc:cxnChg>
+        <pc:cxnChg chg="add mod">
+          <ac:chgData name="Alexandre Morrissette" userId="b5362ed8-01bb-4541-9502-c17197d8a38d" providerId="ADAL" clId="{AA0FD96F-C235-4998-9976-077356EE7F45}" dt="2024-08-05T15:07:56.941" v="181"/>
+          <ac:cxnSpMkLst>
+            <pc:docMk/>
+            <pc:sldMk cId="1092348468" sldId="256"/>
+            <ac:cxnSpMk id="31" creationId="{8BCA6471-4575-FEFF-086A-09E3A494C90E}"/>
+          </ac:cxnSpMkLst>
+        </pc:cxnChg>
+        <pc:cxnChg chg="add mod">
+          <ac:chgData name="Alexandre Morrissette" userId="b5362ed8-01bb-4541-9502-c17197d8a38d" providerId="ADAL" clId="{AA0FD96F-C235-4998-9976-077356EE7F45}" dt="2024-08-05T15:09:36.971" v="191" actId="14100"/>
+          <ac:cxnSpMkLst>
+            <pc:docMk/>
+            <pc:sldMk cId="1092348468" sldId="256"/>
+            <ac:cxnSpMk id="32" creationId="{D1504AF7-B44B-4190-07A2-767E0DEF8530}"/>
+          </ac:cxnSpMkLst>
+        </pc:cxnChg>
+        <pc:cxnChg chg="del mod">
+          <ac:chgData name="Alexandre Morrissette" userId="b5362ed8-01bb-4541-9502-c17197d8a38d" providerId="ADAL" clId="{AA0FD96F-C235-4998-9976-077356EE7F45}" dt="2024-08-05T15:02:57.893" v="97" actId="478"/>
+          <ac:cxnSpMkLst>
+            <pc:docMk/>
+            <pc:sldMk cId="1092348468" sldId="256"/>
+            <ac:cxnSpMk id="34" creationId="{C8269B9B-EC09-2CF3-87AE-57BA367FD573}"/>
+          </ac:cxnSpMkLst>
+        </pc:cxnChg>
+        <pc:cxnChg chg="mod topLvl">
+          <ac:chgData name="Alexandre Morrissette" userId="b5362ed8-01bb-4541-9502-c17197d8a38d" providerId="ADAL" clId="{AA0FD96F-C235-4998-9976-077356EE7F45}" dt="2024-08-05T15:15:47.253" v="367" actId="1076"/>
+          <ac:cxnSpMkLst>
+            <pc:docMk/>
+            <pc:sldMk cId="1092348468" sldId="256"/>
+            <ac:cxnSpMk id="35" creationId="{8123910F-577A-1BED-8922-8AC22D433070}"/>
+          </ac:cxnSpMkLst>
+        </pc:cxnChg>
+        <pc:cxnChg chg="del mod topLvl">
+          <ac:chgData name="Alexandre Morrissette" userId="b5362ed8-01bb-4541-9502-c17197d8a38d" providerId="ADAL" clId="{AA0FD96F-C235-4998-9976-077356EE7F45}" dt="2024-08-05T15:10:38.029" v="206" actId="478"/>
+          <ac:cxnSpMkLst>
+            <pc:docMk/>
+            <pc:sldMk cId="1092348468" sldId="256"/>
+            <ac:cxnSpMk id="42" creationId="{909EEAC5-4E5C-079B-713E-0FD540CC23FA}"/>
+          </ac:cxnSpMkLst>
+        </pc:cxnChg>
+        <pc:cxnChg chg="mod topLvl">
+          <ac:chgData name="Alexandre Morrissette" userId="b5362ed8-01bb-4541-9502-c17197d8a38d" providerId="ADAL" clId="{AA0FD96F-C235-4998-9976-077356EE7F45}" dt="2024-08-05T15:10:59.713" v="212" actId="14100"/>
+          <ac:cxnSpMkLst>
+            <pc:docMk/>
+            <pc:sldMk cId="1092348468" sldId="256"/>
+            <ac:cxnSpMk id="45" creationId="{F322AE1D-8FAB-2963-4A88-F34AF83AE578}"/>
+          </ac:cxnSpMkLst>
+        </pc:cxnChg>
+        <pc:cxnChg chg="add mod">
+          <ac:chgData name="Alexandre Morrissette" userId="b5362ed8-01bb-4541-9502-c17197d8a38d" providerId="ADAL" clId="{AA0FD96F-C235-4998-9976-077356EE7F45}" dt="2024-08-05T15:10:55.464" v="211" actId="14100"/>
+          <ac:cxnSpMkLst>
+            <pc:docMk/>
+            <pc:sldMk cId="1092348468" sldId="256"/>
+            <ac:cxnSpMk id="46" creationId="{88504556-BAF5-FAE2-73A4-0B8AE2F2083C}"/>
+          </ac:cxnSpMkLst>
+        </pc:cxnChg>
+        <pc:cxnChg chg="del">
+          <ac:chgData name="Alexandre Morrissette" userId="b5362ed8-01bb-4541-9502-c17197d8a38d" providerId="ADAL" clId="{AA0FD96F-C235-4998-9976-077356EE7F45}" dt="2024-08-05T15:00:40.157" v="11" actId="478"/>
+          <ac:cxnSpMkLst>
+            <pc:docMk/>
+            <pc:sldMk cId="1092348468" sldId="256"/>
+            <ac:cxnSpMk id="47" creationId="{9FD62D58-F12E-EC8D-5882-79D3638C7012}"/>
+          </ac:cxnSpMkLst>
+        </pc:cxnChg>
+        <pc:cxnChg chg="add mod">
+          <ac:chgData name="Alexandre Morrissette" userId="b5362ed8-01bb-4541-9502-c17197d8a38d" providerId="ADAL" clId="{AA0FD96F-C235-4998-9976-077356EE7F45}" dt="2024-08-05T15:10:07.402" v="195" actId="1076"/>
+          <ac:cxnSpMkLst>
+            <pc:docMk/>
+            <pc:sldMk cId="1092348468" sldId="256"/>
+            <ac:cxnSpMk id="48" creationId="{74BAB421-D44D-D7EC-C9AB-BA2E175CBC30}"/>
+          </ac:cxnSpMkLst>
+        </pc:cxnChg>
+        <pc:cxnChg chg="del mod">
+          <ac:chgData name="Alexandre Morrissette" userId="b5362ed8-01bb-4541-9502-c17197d8a38d" providerId="ADAL" clId="{AA0FD96F-C235-4998-9976-077356EE7F45}" dt="2024-08-05T15:07:56" v="180" actId="21"/>
+          <ac:cxnSpMkLst>
+            <pc:docMk/>
+            <pc:sldMk cId="1092348468" sldId="256"/>
+            <ac:cxnSpMk id="50" creationId="{8BCA6471-4575-FEFF-086A-09E3A494C90E}"/>
+          </ac:cxnSpMkLst>
+        </pc:cxnChg>
+        <pc:cxnChg chg="add mod">
+          <ac:chgData name="Alexandre Morrissette" userId="b5362ed8-01bb-4541-9502-c17197d8a38d" providerId="ADAL" clId="{AA0FD96F-C235-4998-9976-077356EE7F45}" dt="2024-08-05T15:10:51.755" v="210" actId="14100"/>
+          <ac:cxnSpMkLst>
+            <pc:docMk/>
+            <pc:sldMk cId="1092348468" sldId="256"/>
+            <ac:cxnSpMk id="52" creationId="{A2F837B4-A5E3-6C1F-D736-D2F98CABCCA5}"/>
+          </ac:cxnSpMkLst>
+        </pc:cxnChg>
+        <pc:cxnChg chg="del mod topLvl">
+          <ac:chgData name="Alexandre Morrissette" userId="b5362ed8-01bb-4541-9502-c17197d8a38d" providerId="ADAL" clId="{AA0FD96F-C235-4998-9976-077356EE7F45}" dt="2024-08-05T15:11:31.801" v="226" actId="478"/>
+          <ac:cxnSpMkLst>
+            <pc:docMk/>
+            <pc:sldMk cId="1092348468" sldId="256"/>
+            <ac:cxnSpMk id="54" creationId="{FD3F7872-B2AA-8DFF-D258-59B429408C53}"/>
+          </ac:cxnSpMkLst>
+        </pc:cxnChg>
+        <pc:cxnChg chg="add mod">
+          <ac:chgData name="Alexandre Morrissette" userId="b5362ed8-01bb-4541-9502-c17197d8a38d" providerId="ADAL" clId="{AA0FD96F-C235-4998-9976-077356EE7F45}" dt="2024-08-05T15:15:19.038" v="362" actId="1076"/>
+          <ac:cxnSpMkLst>
+            <pc:docMk/>
+            <pc:sldMk cId="1092348468" sldId="256"/>
+            <ac:cxnSpMk id="59" creationId="{DF2D1487-3960-9261-8522-EBB96EC878BC}"/>
+          </ac:cxnSpMkLst>
+        </pc:cxnChg>
+        <pc:cxnChg chg="mod">
+          <ac:chgData name="Alexandre Morrissette" userId="b5362ed8-01bb-4541-9502-c17197d8a38d" providerId="ADAL" clId="{AA0FD96F-C235-4998-9976-077356EE7F45}" dt="2024-08-05T15:09:36.971" v="191" actId="14100"/>
+          <ac:cxnSpMkLst>
+            <pc:docMk/>
+            <pc:sldMk cId="1092348468" sldId="256"/>
+            <ac:cxnSpMk id="77" creationId="{293EA021-07D8-608E-2FF2-5E3393193B36}"/>
+          </ac:cxnSpMkLst>
+        </pc:cxnChg>
+        <pc:cxnChg chg="del">
+          <ac:chgData name="Alexandre Morrissette" userId="b5362ed8-01bb-4541-9502-c17197d8a38d" providerId="ADAL" clId="{AA0FD96F-C235-4998-9976-077356EE7F45}" dt="2024-08-05T15:01:23.112" v="18" actId="478"/>
+          <ac:cxnSpMkLst>
+            <pc:docMk/>
+            <pc:sldMk cId="1092348468" sldId="256"/>
+            <ac:cxnSpMk id="111" creationId="{44E44552-EEDC-E6E4-E811-F5A30729B682}"/>
+          </ac:cxnSpMkLst>
+        </pc:cxnChg>
+      </pc:sldChg>
+      <pc:sldChg chg="del">
+        <pc:chgData name="Alexandre Morrissette" userId="b5362ed8-01bb-4541-9502-c17197d8a38d" providerId="ADAL" clId="{AA0FD96F-C235-4998-9976-077356EE7F45}" dt="2024-08-05T15:16:22.229" v="368" actId="47"/>
+        <pc:sldMkLst>
+          <pc:docMk/>
+          <pc:sldMk cId="1972740613" sldId="257"/>
+        </pc:sldMkLst>
+      </pc:sldChg>
+    </pc:docChg>
+  </pc:docChgLst>
+</pc:chgInfo>
 </file>
 
 <file path=ppt/slideLayouts/slideLayout1.xml><?xml version="1.0" encoding="utf-8"?>
@@ -257,7 +697,7 @@
           <a:p>
             <a:fld id="{11DA41CE-7847-4255-8625-4E876E58FE8F}" type="datetimeFigureOut">
               <a:rPr lang="fr-CA" smtClean="0"/>
-              <a:t>2024-03-01</a:t>
+              <a:t>2024-08-05</a:t>
             </a:fld>
             <a:endParaRPr lang="fr-CA" dirty="0"/>
           </a:p>
@@ -457,7 +897,7 @@
           <a:p>
             <a:fld id="{11DA41CE-7847-4255-8625-4E876E58FE8F}" type="datetimeFigureOut">
               <a:rPr lang="fr-CA" smtClean="0"/>
-              <a:t>2024-03-01</a:t>
+              <a:t>2024-08-05</a:t>
             </a:fld>
             <a:endParaRPr lang="fr-CA" dirty="0"/>
           </a:p>
@@ -667,7 +1107,7 @@
           <a:p>
             <a:fld id="{11DA41CE-7847-4255-8625-4E876E58FE8F}" type="datetimeFigureOut">
               <a:rPr lang="fr-CA" smtClean="0"/>
-              <a:t>2024-03-01</a:t>
+              <a:t>2024-08-05</a:t>
             </a:fld>
             <a:endParaRPr lang="fr-CA" dirty="0"/>
           </a:p>
@@ -867,7 +1307,7 @@
           <a:p>
             <a:fld id="{11DA41CE-7847-4255-8625-4E876E58FE8F}" type="datetimeFigureOut">
               <a:rPr lang="fr-CA" smtClean="0"/>
-              <a:t>2024-03-01</a:t>
+              <a:t>2024-08-05</a:t>
             </a:fld>
             <a:endParaRPr lang="fr-CA" dirty="0"/>
           </a:p>
@@ -1143,7 +1583,7 @@
           <a:p>
             <a:fld id="{11DA41CE-7847-4255-8625-4E876E58FE8F}" type="datetimeFigureOut">
               <a:rPr lang="fr-CA" smtClean="0"/>
-              <a:t>2024-03-01</a:t>
+              <a:t>2024-08-05</a:t>
             </a:fld>
             <a:endParaRPr lang="fr-CA" dirty="0"/>
           </a:p>
@@ -1411,7 +1851,7 @@
           <a:p>
             <a:fld id="{11DA41CE-7847-4255-8625-4E876E58FE8F}" type="datetimeFigureOut">
               <a:rPr lang="fr-CA" smtClean="0"/>
-              <a:t>2024-03-01</a:t>
+              <a:t>2024-08-05</a:t>
             </a:fld>
             <a:endParaRPr lang="fr-CA" dirty="0"/>
           </a:p>
@@ -1826,7 +2266,7 @@
           <a:p>
             <a:fld id="{11DA41CE-7847-4255-8625-4E876E58FE8F}" type="datetimeFigureOut">
               <a:rPr lang="fr-CA" smtClean="0"/>
-              <a:t>2024-03-01</a:t>
+              <a:t>2024-08-05</a:t>
             </a:fld>
             <a:endParaRPr lang="fr-CA" dirty="0"/>
           </a:p>
@@ -1968,7 +2408,7 @@
           <a:p>
             <a:fld id="{11DA41CE-7847-4255-8625-4E876E58FE8F}" type="datetimeFigureOut">
               <a:rPr lang="fr-CA" smtClean="0"/>
-              <a:t>2024-03-01</a:t>
+              <a:t>2024-08-05</a:t>
             </a:fld>
             <a:endParaRPr lang="fr-CA" dirty="0"/>
           </a:p>
@@ -2081,7 +2521,7 @@
           <a:p>
             <a:fld id="{11DA41CE-7847-4255-8625-4E876E58FE8F}" type="datetimeFigureOut">
               <a:rPr lang="fr-CA" smtClean="0"/>
-              <a:t>2024-03-01</a:t>
+              <a:t>2024-08-05</a:t>
             </a:fld>
             <a:endParaRPr lang="fr-CA" dirty="0"/>
           </a:p>
@@ -2394,7 +2834,7 @@
           <a:p>
             <a:fld id="{11DA41CE-7847-4255-8625-4E876E58FE8F}" type="datetimeFigureOut">
               <a:rPr lang="fr-CA" smtClean="0"/>
-              <a:t>2024-03-01</a:t>
+              <a:t>2024-08-05</a:t>
             </a:fld>
             <a:endParaRPr lang="fr-CA" dirty="0"/>
           </a:p>
@@ -2683,7 +3123,7 @@
           <a:p>
             <a:fld id="{11DA41CE-7847-4255-8625-4E876E58FE8F}" type="datetimeFigureOut">
               <a:rPr lang="fr-CA" smtClean="0"/>
-              <a:t>2024-03-01</a:t>
+              <a:t>2024-08-05</a:t>
             </a:fld>
             <a:endParaRPr lang="fr-CA" dirty="0"/>
           </a:p>
@@ -2926,7 +3366,7 @@
           <a:p>
             <a:fld id="{11DA41CE-7847-4255-8625-4E876E58FE8F}" type="datetimeFigureOut">
               <a:rPr lang="fr-CA" smtClean="0"/>
-              <a:t>2024-03-01</a:t>
+              <a:t>2024-08-05</a:t>
             </a:fld>
             <a:endParaRPr lang="fr-CA" dirty="0"/>
           </a:p>
@@ -3343,62 +3783,21 @@
           <a:chExt cx="0" cy="0"/>
         </a:xfrm>
       </p:grpSpPr>
-      <p:cxnSp>
-        <p:nvCxnSpPr>
-          <p:cNvPr id="27" name="Connecteur droit avec flèche 26">
-            <a:extLst>
-              <a:ext uri="{FF2B5EF4-FFF2-40B4-BE49-F238E27FC236}">
-                <a16:creationId xmlns:a16="http://schemas.microsoft.com/office/drawing/2014/main" id="{0F5B7B14-90DB-3B7D-7873-6CE210D5695B}"/>
-              </a:ext>
-            </a:extLst>
-          </p:cNvPr>
-          <p:cNvCxnSpPr>
-            <a:cxnSpLocks/>
-          </p:cNvCxnSpPr>
+      <p:sp>
+        <p:nvSpPr>
+          <p:cNvPr id="28" name="Rectangle 27">
+            <a:extLst>
+              <a:ext uri="{FF2B5EF4-FFF2-40B4-BE49-F238E27FC236}">
+                <a16:creationId xmlns:a16="http://schemas.microsoft.com/office/drawing/2014/main" id="{180CDB91-2F95-B6F4-3CD7-88731B03ED41}"/>
+              </a:ext>
+            </a:extLst>
+          </p:cNvPr>
+          <p:cNvSpPr/>
           <p:nvPr/>
-        </p:nvCxnSpPr>
+        </p:nvSpPr>
         <p:spPr>
           <a:xfrm>
-            <a:off x="10145598" y="4182276"/>
-            <a:ext cx="0" cy="1582810"/>
-          </a:xfrm>
-          <a:prstGeom prst="straightConnector1">
-            <a:avLst/>
-          </a:prstGeom>
-          <a:ln>
-            <a:tailEnd type="triangle"/>
-          </a:ln>
-        </p:spPr>
-        <p:style>
-          <a:lnRef idx="3">
-            <a:schemeClr val="dk1"/>
-          </a:lnRef>
-          <a:fillRef idx="0">
-            <a:schemeClr val="dk1"/>
-          </a:fillRef>
-          <a:effectRef idx="2">
-            <a:schemeClr val="dk1"/>
-          </a:effectRef>
-          <a:fontRef idx="minor">
-            <a:schemeClr val="tx1"/>
-          </a:fontRef>
-        </p:style>
-      </p:cxnSp>
-      <p:sp>
-        <p:nvSpPr>
-          <p:cNvPr id="28" name="Rectangle 27">
-            <a:extLst>
-              <a:ext uri="{FF2B5EF4-FFF2-40B4-BE49-F238E27FC236}">
-                <a16:creationId xmlns:a16="http://schemas.microsoft.com/office/drawing/2014/main" id="{180CDB91-2F95-B6F4-3CD7-88731B03ED41}"/>
-              </a:ext>
-            </a:extLst>
-          </p:cNvPr>
-          <p:cNvSpPr/>
-          <p:nvPr/>
-        </p:nvSpPr>
-        <p:spPr>
-          <a:xfrm>
-            <a:off x="9647257" y="5765086"/>
+            <a:off x="6506748" y="5001679"/>
             <a:ext cx="1716259" cy="947532"/>
           </a:xfrm>
           <a:prstGeom prst="rect">
@@ -3428,7 +3827,14 @@
             <a:pPr algn="ctr"/>
             <a:r>
               <a:rPr lang="fr-FR" sz="1600" dirty="0"/>
-              <a:t>Application laptop</a:t>
+              <a:t>Laptop </a:t>
+            </a:r>
+          </a:p>
+          <a:p>
+            <a:pPr algn="ctr"/>
+            <a:r>
+              <a:rPr lang="fr-FR" sz="1600" dirty="0"/>
+              <a:t>GUI</a:t>
             </a:r>
             <a:endParaRPr lang="fr-CA" sz="1600" dirty="0"/>
           </a:p>
@@ -3436,23 +3842,442 @@
       </p:sp>
       <p:cxnSp>
         <p:nvCxnSpPr>
-          <p:cNvPr id="29" name="Connecteur droit avec flèche 28">
-            <a:extLst>
-              <a:ext uri="{FF2B5EF4-FFF2-40B4-BE49-F238E27FC236}">
-                <a16:creationId xmlns:a16="http://schemas.microsoft.com/office/drawing/2014/main" id="{0B6CAB4A-6062-4BBB-97A1-F763676C4853}"/>
+          <p:cNvPr id="77" name="Connecteur : en angle 76">
+            <a:extLst>
+              <a:ext uri="{FF2B5EF4-FFF2-40B4-BE49-F238E27FC236}">
+                <a16:creationId xmlns:a16="http://schemas.microsoft.com/office/drawing/2014/main" id="{293EA021-07D8-608E-2FF2-5E3393193B36}"/>
               </a:ext>
             </a:extLst>
           </p:cNvPr>
           <p:cNvCxnSpPr>
             <a:cxnSpLocks/>
-            <a:stCxn id="28" idx="0"/>
+            <a:stCxn id="10" idx="0"/>
+            <a:endCxn id="40" idx="3"/>
           </p:cNvCxnSpPr>
           <p:nvPr/>
         </p:nvCxnSpPr>
         <p:spPr>
-          <a:xfrm flipV="1">
-            <a:off x="10505387" y="4193043"/>
-            <a:ext cx="13055" cy="1572043"/>
+          <a:xfrm rot="16200000" flipV="1">
+            <a:off x="6484269" y="-948236"/>
+            <a:ext cx="951907" cy="4899009"/>
+          </a:xfrm>
+          <a:prstGeom prst="bentConnector2">
+            <a:avLst/>
+          </a:prstGeom>
+          <a:ln>
+            <a:tailEnd type="triangle"/>
+          </a:ln>
+        </p:spPr>
+        <p:style>
+          <a:lnRef idx="3">
+            <a:schemeClr val="dk1"/>
+          </a:lnRef>
+          <a:fillRef idx="0">
+            <a:schemeClr val="dk1"/>
+          </a:fillRef>
+          <a:effectRef idx="2">
+            <a:schemeClr val="dk1"/>
+          </a:effectRef>
+          <a:fontRef idx="minor">
+            <a:schemeClr val="tx1"/>
+          </a:fontRef>
+        </p:style>
+      </p:cxnSp>
+      <p:sp>
+        <p:nvSpPr>
+          <p:cNvPr id="4" name="Rectangle 3">
+            <a:extLst>
+              <a:ext uri="{FF2B5EF4-FFF2-40B4-BE49-F238E27FC236}">
+                <a16:creationId xmlns:a16="http://schemas.microsoft.com/office/drawing/2014/main" id="{53B11A6D-B48B-05DD-46E4-2F56D3D6314F}"/>
+              </a:ext>
+            </a:extLst>
+          </p:cNvPr>
+          <p:cNvSpPr/>
+          <p:nvPr/>
+        </p:nvSpPr>
+        <p:spPr>
+          <a:xfrm>
+            <a:off x="794448" y="517549"/>
+            <a:ext cx="1815547" cy="1020418"/>
+          </a:xfrm>
+          <a:prstGeom prst="rect">
+            <a:avLst/>
+          </a:prstGeom>
+        </p:spPr>
+        <p:style>
+          <a:lnRef idx="2">
+            <a:schemeClr val="accent1">
+              <a:shade val="15000"/>
+            </a:schemeClr>
+          </a:lnRef>
+          <a:fillRef idx="1">
+            <a:schemeClr val="accent1"/>
+          </a:fillRef>
+          <a:effectRef idx="0">
+            <a:schemeClr val="accent1"/>
+          </a:effectRef>
+          <a:fontRef idx="minor">
+            <a:schemeClr val="lt1"/>
+          </a:fontRef>
+        </p:style>
+        <p:txBody>
+          <a:bodyPr rtlCol="0" anchor="ctr"/>
+          <a:lstStyle/>
+          <a:p>
+            <a:pPr algn="ctr"/>
+            <a:r>
+              <a:rPr lang="fr-FR" sz="1600" dirty="0" err="1"/>
+              <a:t>Preform</a:t>
+            </a:r>
+            <a:r>
+              <a:rPr lang="fr-FR" sz="1600" dirty="0"/>
+              <a:t> stepper </a:t>
+            </a:r>
+            <a:r>
+              <a:rPr lang="fr-FR" sz="1600" dirty="0" err="1"/>
+              <a:t>motor</a:t>
+            </a:r>
+            <a:endParaRPr lang="fr-CA" sz="1600" dirty="0"/>
+          </a:p>
+        </p:txBody>
+      </p:sp>
+      <p:sp>
+        <p:nvSpPr>
+          <p:cNvPr id="5" name="Rectangle 4">
+            <a:extLst>
+              <a:ext uri="{FF2B5EF4-FFF2-40B4-BE49-F238E27FC236}">
+                <a16:creationId xmlns:a16="http://schemas.microsoft.com/office/drawing/2014/main" id="{8285D3C0-1F96-605D-0967-6043F2CF6D7F}"/>
+              </a:ext>
+            </a:extLst>
+          </p:cNvPr>
+          <p:cNvSpPr/>
+          <p:nvPr/>
+        </p:nvSpPr>
+        <p:spPr>
+          <a:xfrm>
+            <a:off x="789963" y="1623897"/>
+            <a:ext cx="1815547" cy="1020418"/>
+          </a:xfrm>
+          <a:prstGeom prst="rect">
+            <a:avLst/>
+          </a:prstGeom>
+        </p:spPr>
+        <p:style>
+          <a:lnRef idx="2">
+            <a:schemeClr val="accent1">
+              <a:shade val="15000"/>
+            </a:schemeClr>
+          </a:lnRef>
+          <a:fillRef idx="1">
+            <a:schemeClr val="accent1"/>
+          </a:fillRef>
+          <a:effectRef idx="0">
+            <a:schemeClr val="accent1"/>
+          </a:effectRef>
+          <a:fontRef idx="minor">
+            <a:schemeClr val="lt1"/>
+          </a:fontRef>
+        </p:style>
+        <p:txBody>
+          <a:bodyPr rtlCol="0" anchor="ctr"/>
+          <a:lstStyle/>
+          <a:p>
+            <a:pPr algn="ctr"/>
+            <a:r>
+              <a:rPr lang="fr-FR" sz="1600" dirty="0" err="1"/>
+              <a:t>Capstan</a:t>
+            </a:r>
+            <a:r>
+              <a:rPr lang="fr-FR" sz="1600" dirty="0"/>
+              <a:t> stepper </a:t>
+            </a:r>
+            <a:r>
+              <a:rPr lang="fr-FR" sz="1600" dirty="0" err="1"/>
+              <a:t>motor</a:t>
+            </a:r>
+            <a:endParaRPr lang="fr-CA" sz="1600" dirty="0"/>
+          </a:p>
+        </p:txBody>
+      </p:sp>
+      <p:sp>
+        <p:nvSpPr>
+          <p:cNvPr id="6" name="Rectangle 5">
+            <a:extLst>
+              <a:ext uri="{FF2B5EF4-FFF2-40B4-BE49-F238E27FC236}">
+                <a16:creationId xmlns:a16="http://schemas.microsoft.com/office/drawing/2014/main" id="{3E51C04A-59EA-72C8-2F05-0A2AA3F9AAC3}"/>
+              </a:ext>
+            </a:extLst>
+          </p:cNvPr>
+          <p:cNvSpPr/>
+          <p:nvPr/>
+        </p:nvSpPr>
+        <p:spPr>
+          <a:xfrm>
+            <a:off x="244174" y="5317506"/>
+            <a:ext cx="1815547" cy="1020418"/>
+          </a:xfrm>
+          <a:prstGeom prst="rect">
+            <a:avLst/>
+          </a:prstGeom>
+        </p:spPr>
+        <p:style>
+          <a:lnRef idx="2">
+            <a:schemeClr val="accent1">
+              <a:shade val="15000"/>
+            </a:schemeClr>
+          </a:lnRef>
+          <a:fillRef idx="1">
+            <a:schemeClr val="accent1"/>
+          </a:fillRef>
+          <a:effectRef idx="0">
+            <a:schemeClr val="accent1"/>
+          </a:effectRef>
+          <a:fontRef idx="minor">
+            <a:schemeClr val="lt1"/>
+          </a:fontRef>
+        </p:style>
+        <p:txBody>
+          <a:bodyPr rtlCol="0" anchor="ctr"/>
+          <a:lstStyle/>
+          <a:p>
+            <a:pPr algn="ctr"/>
+            <a:r>
+              <a:rPr lang="fr-FR" sz="1600" dirty="0"/>
+              <a:t>Furnace</a:t>
+            </a:r>
+            <a:endParaRPr lang="fr-CA" sz="1600" dirty="0"/>
+          </a:p>
+        </p:txBody>
+      </p:sp>
+      <p:sp>
+        <p:nvSpPr>
+          <p:cNvPr id="7" name="Rectangle 6">
+            <a:extLst>
+              <a:ext uri="{FF2B5EF4-FFF2-40B4-BE49-F238E27FC236}">
+                <a16:creationId xmlns:a16="http://schemas.microsoft.com/office/drawing/2014/main" id="{42E1471F-5B4E-406E-6E68-D7058E9313F0}"/>
+              </a:ext>
+            </a:extLst>
+          </p:cNvPr>
+          <p:cNvSpPr/>
+          <p:nvPr/>
+        </p:nvSpPr>
+        <p:spPr>
+          <a:xfrm>
+            <a:off x="823225" y="3773554"/>
+            <a:ext cx="1815547" cy="901147"/>
+          </a:xfrm>
+          <a:prstGeom prst="rect">
+            <a:avLst/>
+          </a:prstGeom>
+        </p:spPr>
+        <p:style>
+          <a:lnRef idx="2">
+            <a:schemeClr val="accent1">
+              <a:shade val="15000"/>
+            </a:schemeClr>
+          </a:lnRef>
+          <a:fillRef idx="1">
+            <a:schemeClr val="accent1"/>
+          </a:fillRef>
+          <a:effectRef idx="0">
+            <a:schemeClr val="accent1"/>
+          </a:effectRef>
+          <a:fontRef idx="minor">
+            <a:schemeClr val="lt1"/>
+          </a:fontRef>
+        </p:style>
+        <p:txBody>
+          <a:bodyPr rtlCol="0" anchor="ctr"/>
+          <a:lstStyle/>
+          <a:p>
+            <a:pPr algn="ctr"/>
+            <a:r>
+              <a:rPr lang="fr-FR" sz="1600" dirty="0"/>
+              <a:t>Laser sensor</a:t>
+            </a:r>
+            <a:endParaRPr lang="fr-CA" sz="1600" dirty="0"/>
+          </a:p>
+        </p:txBody>
+      </p:sp>
+      <p:sp>
+        <p:nvSpPr>
+          <p:cNvPr id="10" name="Rectangle 9">
+            <a:extLst>
+              <a:ext uri="{FF2B5EF4-FFF2-40B4-BE49-F238E27FC236}">
+                <a16:creationId xmlns:a16="http://schemas.microsoft.com/office/drawing/2014/main" id="{FD05CB04-0B90-0A17-0024-1E7871624B2F}"/>
+              </a:ext>
+            </a:extLst>
+          </p:cNvPr>
+          <p:cNvSpPr/>
+          <p:nvPr/>
+        </p:nvSpPr>
+        <p:spPr>
+          <a:xfrm>
+            <a:off x="7421900" y="1977222"/>
+            <a:ext cx="3975652" cy="2186609"/>
+          </a:xfrm>
+          <a:prstGeom prst="rect">
+            <a:avLst/>
+          </a:prstGeom>
+        </p:spPr>
+        <p:style>
+          <a:lnRef idx="2">
+            <a:schemeClr val="accent1">
+              <a:shade val="15000"/>
+            </a:schemeClr>
+          </a:lnRef>
+          <a:fillRef idx="1">
+            <a:schemeClr val="accent1"/>
+          </a:fillRef>
+          <a:effectRef idx="0">
+            <a:schemeClr val="accent1"/>
+          </a:effectRef>
+          <a:fontRef idx="minor">
+            <a:schemeClr val="lt1"/>
+          </a:fontRef>
+        </p:style>
+        <p:txBody>
+          <a:bodyPr rtlCol="0" anchor="ctr"/>
+          <a:lstStyle/>
+          <a:p>
+            <a:pPr algn="ctr"/>
+            <a:r>
+              <a:rPr lang="fr-FR" sz="1600" dirty="0"/>
+              <a:t>Arduino </a:t>
+            </a:r>
+            <a:r>
+              <a:rPr lang="fr-FR" sz="1600" dirty="0" err="1"/>
+              <a:t>Uno</a:t>
+            </a:r>
+            <a:endParaRPr lang="fr-CA" sz="1600" dirty="0"/>
+          </a:p>
+        </p:txBody>
+      </p:sp>
+      <p:sp>
+        <p:nvSpPr>
+          <p:cNvPr id="12" name="Rectangle 11">
+            <a:extLst>
+              <a:ext uri="{FF2B5EF4-FFF2-40B4-BE49-F238E27FC236}">
+                <a16:creationId xmlns:a16="http://schemas.microsoft.com/office/drawing/2014/main" id="{0D343779-40BE-0B2D-9E33-DE45D7001D97}"/>
+              </a:ext>
+            </a:extLst>
+          </p:cNvPr>
+          <p:cNvSpPr/>
+          <p:nvPr/>
+        </p:nvSpPr>
+        <p:spPr>
+          <a:xfrm>
+            <a:off x="2978736" y="1631999"/>
+            <a:ext cx="1577009" cy="1010478"/>
+          </a:xfrm>
+          <a:prstGeom prst="rect">
+            <a:avLst/>
+          </a:prstGeom>
+        </p:spPr>
+        <p:style>
+          <a:lnRef idx="2">
+            <a:schemeClr val="accent1">
+              <a:shade val="15000"/>
+            </a:schemeClr>
+          </a:lnRef>
+          <a:fillRef idx="1">
+            <a:schemeClr val="accent1"/>
+          </a:fillRef>
+          <a:effectRef idx="0">
+            <a:schemeClr val="accent1"/>
+          </a:effectRef>
+          <a:fontRef idx="minor">
+            <a:schemeClr val="lt1"/>
+          </a:fontRef>
+        </p:style>
+        <p:txBody>
+          <a:bodyPr rtlCol="0" anchor="ctr"/>
+          <a:lstStyle/>
+          <a:p>
+            <a:pPr algn="ctr"/>
+            <a:r>
+              <a:rPr lang="fr-FR" sz="1600" dirty="0"/>
+              <a:t>Stepper motor driver </a:t>
+            </a:r>
+            <a:endParaRPr lang="fr-CA" sz="1600" dirty="0"/>
+          </a:p>
+        </p:txBody>
+      </p:sp>
+      <p:sp>
+        <p:nvSpPr>
+          <p:cNvPr id="22" name="Rectangle 21">
+            <a:extLst>
+              <a:ext uri="{FF2B5EF4-FFF2-40B4-BE49-F238E27FC236}">
+                <a16:creationId xmlns:a16="http://schemas.microsoft.com/office/drawing/2014/main" id="{5C59D429-2DB9-57CE-CECF-69470E8C174D}"/>
+              </a:ext>
+            </a:extLst>
+          </p:cNvPr>
+          <p:cNvSpPr/>
+          <p:nvPr/>
+        </p:nvSpPr>
+        <p:spPr>
+          <a:xfrm>
+            <a:off x="4228330" y="5350634"/>
+            <a:ext cx="1716259" cy="947532"/>
+          </a:xfrm>
+          <a:prstGeom prst="rect">
+            <a:avLst/>
+          </a:prstGeom>
+        </p:spPr>
+        <p:style>
+          <a:lnRef idx="2">
+            <a:schemeClr val="accent1">
+              <a:shade val="15000"/>
+            </a:schemeClr>
+          </a:lnRef>
+          <a:fillRef idx="1">
+            <a:schemeClr val="accent1"/>
+          </a:fillRef>
+          <a:effectRef idx="0">
+            <a:schemeClr val="accent1"/>
+          </a:effectRef>
+          <a:fontRef idx="minor">
+            <a:schemeClr val="lt1"/>
+          </a:fontRef>
+        </p:style>
+        <p:txBody>
+          <a:bodyPr rtlCol="0" anchor="ctr"/>
+          <a:lstStyle/>
+          <a:p>
+            <a:pPr algn="ctr"/>
+            <a:r>
+              <a:rPr lang="fr-FR" sz="1600" dirty="0"/>
+              <a:t>Thermocouple +</a:t>
+            </a:r>
+          </a:p>
+          <a:p>
+            <a:pPr algn="ctr"/>
+            <a:r>
+              <a:rPr lang="fr-FR" sz="1600" dirty="0"/>
+              <a:t>PID</a:t>
+            </a:r>
+            <a:endParaRPr lang="fr-CA" sz="1600" dirty="0"/>
+          </a:p>
+        </p:txBody>
+      </p:sp>
+      <p:cxnSp>
+        <p:nvCxnSpPr>
+          <p:cNvPr id="24" name="Connecteur droit avec flèche 23">
+            <a:extLst>
+              <a:ext uri="{FF2B5EF4-FFF2-40B4-BE49-F238E27FC236}">
+                <a16:creationId xmlns:a16="http://schemas.microsoft.com/office/drawing/2014/main" id="{18268B11-5E8E-EA6F-45FA-A28EC2F06139}"/>
+              </a:ext>
+            </a:extLst>
+          </p:cNvPr>
+          <p:cNvCxnSpPr>
+            <a:cxnSpLocks/>
+          </p:cNvCxnSpPr>
+          <p:nvPr/>
+        </p:nvCxnSpPr>
+        <p:spPr>
+          <a:xfrm>
+            <a:off x="2055993" y="5528979"/>
+            <a:ext cx="2172337" cy="0"/>
           </a:xfrm>
           <a:prstGeom prst="straightConnector1">
             <a:avLst/>
@@ -3478,24 +4303,640 @@
       </p:cxnSp>
       <p:cxnSp>
         <p:nvCxnSpPr>
-          <p:cNvPr id="77" name="Connecteur : en angle 76">
-            <a:extLst>
-              <a:ext uri="{FF2B5EF4-FFF2-40B4-BE49-F238E27FC236}">
-                <a16:creationId xmlns:a16="http://schemas.microsoft.com/office/drawing/2014/main" id="{293EA021-07D8-608E-2FF2-5E3393193B36}"/>
+          <p:cNvPr id="35" name="Connecteur droit avec flèche 34">
+            <a:extLst>
+              <a:ext uri="{FF2B5EF4-FFF2-40B4-BE49-F238E27FC236}">
+                <a16:creationId xmlns:a16="http://schemas.microsoft.com/office/drawing/2014/main" id="{8123910F-577A-1BED-8922-8AC22D433070}"/>
               </a:ext>
             </a:extLst>
           </p:cNvPr>
           <p:cNvCxnSpPr>
             <a:cxnSpLocks/>
-            <a:stCxn id="10" idx="0"/>
-            <a:endCxn id="40" idx="3"/>
           </p:cNvCxnSpPr>
           <p:nvPr/>
         </p:nvCxnSpPr>
         <p:spPr>
-          <a:xfrm rot="16200000" flipV="1">
-            <a:off x="8077438" y="591138"/>
-            <a:ext cx="916056" cy="1917072"/>
+          <a:xfrm flipH="1">
+            <a:off x="2055993" y="6109297"/>
+            <a:ext cx="2172337" cy="0"/>
+          </a:xfrm>
+          <a:prstGeom prst="straightConnector1">
+            <a:avLst/>
+          </a:prstGeom>
+          <a:ln>
+            <a:tailEnd type="triangle"/>
+          </a:ln>
+        </p:spPr>
+        <p:style>
+          <a:lnRef idx="3">
+            <a:schemeClr val="dk1"/>
+          </a:lnRef>
+          <a:fillRef idx="0">
+            <a:schemeClr val="dk1"/>
+          </a:fillRef>
+          <a:effectRef idx="2">
+            <a:schemeClr val="dk1"/>
+          </a:effectRef>
+          <a:fontRef idx="minor">
+            <a:schemeClr val="tx1"/>
+          </a:fontRef>
+        </p:style>
+      </p:cxnSp>
+      <p:sp>
+        <p:nvSpPr>
+          <p:cNvPr id="40" name="Rectangle 39">
+            <a:extLst>
+              <a:ext uri="{FF2B5EF4-FFF2-40B4-BE49-F238E27FC236}">
+                <a16:creationId xmlns:a16="http://schemas.microsoft.com/office/drawing/2014/main" id="{E45E892B-26A1-7722-05E7-ABDBEC54F7E7}"/>
+              </a:ext>
+            </a:extLst>
+          </p:cNvPr>
+          <p:cNvSpPr/>
+          <p:nvPr/>
+        </p:nvSpPr>
+        <p:spPr>
+          <a:xfrm>
+            <a:off x="2933708" y="520076"/>
+            <a:ext cx="1577009" cy="1010478"/>
+          </a:xfrm>
+          <a:prstGeom prst="rect">
+            <a:avLst/>
+          </a:prstGeom>
+        </p:spPr>
+        <p:style>
+          <a:lnRef idx="2">
+            <a:schemeClr val="accent1">
+              <a:shade val="15000"/>
+            </a:schemeClr>
+          </a:lnRef>
+          <a:fillRef idx="1">
+            <a:schemeClr val="accent1"/>
+          </a:fillRef>
+          <a:effectRef idx="0">
+            <a:schemeClr val="accent1"/>
+          </a:effectRef>
+          <a:fontRef idx="minor">
+            <a:schemeClr val="lt1"/>
+          </a:fontRef>
+        </p:style>
+        <p:txBody>
+          <a:bodyPr rtlCol="0" anchor="ctr"/>
+          <a:lstStyle/>
+          <a:p>
+            <a:pPr algn="ctr"/>
+            <a:r>
+              <a:rPr lang="fr-FR" sz="1600" dirty="0"/>
+              <a:t>Stepper motor driver </a:t>
+            </a:r>
+            <a:endParaRPr lang="fr-CA" sz="1600" dirty="0"/>
+          </a:p>
+        </p:txBody>
+      </p:sp>
+      <p:cxnSp>
+        <p:nvCxnSpPr>
+          <p:cNvPr id="45" name="Connecteur : en angle 44">
+            <a:extLst>
+              <a:ext uri="{FF2B5EF4-FFF2-40B4-BE49-F238E27FC236}">
+                <a16:creationId xmlns:a16="http://schemas.microsoft.com/office/drawing/2014/main" id="{F322AE1D-8FAB-2963-4A88-F34AF83AE578}"/>
+              </a:ext>
+            </a:extLst>
+          </p:cNvPr>
+          <p:cNvCxnSpPr>
+            <a:cxnSpLocks/>
+            <a:endCxn id="12" idx="3"/>
+          </p:cNvCxnSpPr>
+          <p:nvPr/>
+        </p:nvCxnSpPr>
+        <p:spPr>
+          <a:xfrm rot="10800000" flipV="1">
+            <a:off x="4555745" y="1025312"/>
+            <a:ext cx="1273088" cy="1111926"/>
+          </a:xfrm>
+          <a:prstGeom prst="bentConnector3">
+            <a:avLst>
+              <a:gd name="adj1" fmla="val 50000"/>
+            </a:avLst>
+          </a:prstGeom>
+          <a:ln>
+            <a:tailEnd type="triangle"/>
+          </a:ln>
+        </p:spPr>
+        <p:style>
+          <a:lnRef idx="3">
+            <a:schemeClr val="dk1"/>
+          </a:lnRef>
+          <a:fillRef idx="0">
+            <a:schemeClr val="dk1"/>
+          </a:fillRef>
+          <a:effectRef idx="2">
+            <a:schemeClr val="dk1"/>
+          </a:effectRef>
+          <a:fontRef idx="minor">
+            <a:schemeClr val="tx1"/>
+          </a:fontRef>
+        </p:style>
+      </p:cxnSp>
+      <p:sp>
+        <p:nvSpPr>
+          <p:cNvPr id="53" name="ZoneTexte 52">
+            <a:extLst>
+              <a:ext uri="{FF2B5EF4-FFF2-40B4-BE49-F238E27FC236}">
+                <a16:creationId xmlns:a16="http://schemas.microsoft.com/office/drawing/2014/main" id="{4876996B-9336-4E5A-0DD8-6AC73E38D7AE}"/>
+              </a:ext>
+            </a:extLst>
+          </p:cNvPr>
+          <p:cNvSpPr txBox="1"/>
+          <p:nvPr/>
+        </p:nvSpPr>
+        <p:spPr>
+          <a:xfrm flipH="1">
+            <a:off x="6506748" y="2083315"/>
+            <a:ext cx="1325969" cy="256480"/>
+          </a:xfrm>
+          <a:prstGeom prst="rect">
+            <a:avLst/>
+          </a:prstGeom>
+          <a:noFill/>
+        </p:spPr>
+        <p:txBody>
+          <a:bodyPr wrap="square" rtlCol="0">
+            <a:spAutoFit/>
+          </a:bodyPr>
+          <a:lstStyle/>
+          <a:p>
+            <a:endParaRPr lang="fr-CA" sz="1600" baseline="-25000" dirty="0"/>
+          </a:p>
+        </p:txBody>
+      </p:sp>
+      <p:sp>
+        <p:nvSpPr>
+          <p:cNvPr id="69" name="ZoneTexte 68">
+            <a:extLst>
+              <a:ext uri="{FF2B5EF4-FFF2-40B4-BE49-F238E27FC236}">
+                <a16:creationId xmlns:a16="http://schemas.microsoft.com/office/drawing/2014/main" id="{75DE21C1-2E6B-55BE-6ACB-774584264E54}"/>
+              </a:ext>
+            </a:extLst>
+          </p:cNvPr>
+          <p:cNvSpPr txBox="1"/>
+          <p:nvPr/>
+        </p:nvSpPr>
+        <p:spPr>
+          <a:xfrm>
+            <a:off x="3324723" y="353833"/>
+            <a:ext cx="2609909" cy="338554"/>
+          </a:xfrm>
+          <a:prstGeom prst="rect">
+            <a:avLst/>
+          </a:prstGeom>
+          <a:noFill/>
+        </p:spPr>
+        <p:txBody>
+          <a:bodyPr wrap="square" rtlCol="0">
+            <a:spAutoFit/>
+          </a:bodyPr>
+          <a:lstStyle/>
+          <a:p>
+            <a:endParaRPr lang="fr-CA" sz="1600" dirty="0"/>
+          </a:p>
+        </p:txBody>
+      </p:sp>
+      <p:sp>
+        <p:nvSpPr>
+          <p:cNvPr id="76" name="ZoneTexte 75">
+            <a:extLst>
+              <a:ext uri="{FF2B5EF4-FFF2-40B4-BE49-F238E27FC236}">
+                <a16:creationId xmlns:a16="http://schemas.microsoft.com/office/drawing/2014/main" id="{5A11C2CC-7938-D63D-2158-60B521CE423B}"/>
+              </a:ext>
+            </a:extLst>
+          </p:cNvPr>
+          <p:cNvSpPr txBox="1"/>
+          <p:nvPr/>
+        </p:nvSpPr>
+        <p:spPr>
+          <a:xfrm>
+            <a:off x="7635319" y="245353"/>
+            <a:ext cx="3499321" cy="338554"/>
+          </a:xfrm>
+          <a:prstGeom prst="rect">
+            <a:avLst/>
+          </a:prstGeom>
+          <a:noFill/>
+        </p:spPr>
+        <p:txBody>
+          <a:bodyPr wrap="square" rtlCol="0">
+            <a:spAutoFit/>
+          </a:bodyPr>
+          <a:lstStyle/>
+          <a:p>
+            <a:endParaRPr lang="fr-FR" sz="1600" dirty="0"/>
+          </a:p>
+        </p:txBody>
+      </p:sp>
+      <p:sp>
+        <p:nvSpPr>
+          <p:cNvPr id="91" name="ZoneTexte 90">
+            <a:extLst>
+              <a:ext uri="{FF2B5EF4-FFF2-40B4-BE49-F238E27FC236}">
+                <a16:creationId xmlns:a16="http://schemas.microsoft.com/office/drawing/2014/main" id="{DBDD1BF2-C93C-5B83-15B7-F489AF75078E}"/>
+              </a:ext>
+            </a:extLst>
+          </p:cNvPr>
+          <p:cNvSpPr txBox="1"/>
+          <p:nvPr/>
+        </p:nvSpPr>
+        <p:spPr>
+          <a:xfrm>
+            <a:off x="2657373" y="5083107"/>
+            <a:ext cx="979357" cy="338554"/>
+          </a:xfrm>
+          <a:prstGeom prst="rect">
+            <a:avLst/>
+          </a:prstGeom>
+          <a:noFill/>
+        </p:spPr>
+        <p:txBody>
+          <a:bodyPr wrap="square" rtlCol="0">
+            <a:spAutoFit/>
+          </a:bodyPr>
+          <a:lstStyle/>
+          <a:p>
+            <a:r>
+              <a:rPr lang="fr-FR" sz="1600" dirty="0"/>
+              <a:t>Real T°</a:t>
+            </a:r>
+            <a:endParaRPr lang="fr-CA" sz="1600" dirty="0"/>
+          </a:p>
+        </p:txBody>
+      </p:sp>
+      <p:sp>
+        <p:nvSpPr>
+          <p:cNvPr id="93" name="ZoneTexte 92">
+            <a:extLst>
+              <a:ext uri="{FF2B5EF4-FFF2-40B4-BE49-F238E27FC236}">
+                <a16:creationId xmlns:a16="http://schemas.microsoft.com/office/drawing/2014/main" id="{C4D90F32-D664-B3FD-9C3D-1AC23D26F5B0}"/>
+              </a:ext>
+            </a:extLst>
+          </p:cNvPr>
+          <p:cNvSpPr txBox="1"/>
+          <p:nvPr/>
+        </p:nvSpPr>
+        <p:spPr>
+          <a:xfrm>
+            <a:off x="2396808" y="6176421"/>
+            <a:ext cx="1815547" cy="338554"/>
+          </a:xfrm>
+          <a:prstGeom prst="rect">
+            <a:avLst/>
+          </a:prstGeom>
+          <a:noFill/>
+        </p:spPr>
+        <p:txBody>
+          <a:bodyPr wrap="square" rtlCol="0">
+            <a:spAutoFit/>
+          </a:bodyPr>
+          <a:lstStyle/>
+          <a:p>
+            <a:r>
+              <a:rPr lang="fr-FR" sz="1600" dirty="0"/>
+              <a:t>T° </a:t>
+            </a:r>
+            <a:r>
+              <a:rPr lang="fr-FR" sz="1600" dirty="0" err="1"/>
+              <a:t>setpoint</a:t>
+            </a:r>
+            <a:endParaRPr lang="fr-CA" sz="1600" dirty="0"/>
+          </a:p>
+        </p:txBody>
+      </p:sp>
+      <p:sp>
+        <p:nvSpPr>
+          <p:cNvPr id="95" name="ZoneTexte 94">
+            <a:extLst>
+              <a:ext uri="{FF2B5EF4-FFF2-40B4-BE49-F238E27FC236}">
+                <a16:creationId xmlns:a16="http://schemas.microsoft.com/office/drawing/2014/main" id="{47415F98-B283-7DC2-3AA1-47361C3E4C22}"/>
+              </a:ext>
+            </a:extLst>
+          </p:cNvPr>
+          <p:cNvSpPr txBox="1"/>
+          <p:nvPr/>
+        </p:nvSpPr>
+        <p:spPr>
+          <a:xfrm>
+            <a:off x="4185480" y="3856384"/>
+            <a:ext cx="1973393" cy="338554"/>
+          </a:xfrm>
+          <a:prstGeom prst="rect">
+            <a:avLst/>
+          </a:prstGeom>
+          <a:noFill/>
+        </p:spPr>
+        <p:txBody>
+          <a:bodyPr wrap="square" rtlCol="0">
+            <a:spAutoFit/>
+          </a:bodyPr>
+          <a:lstStyle/>
+          <a:p>
+            <a:r>
+              <a:rPr lang="fr-FR" sz="1600" dirty="0" err="1"/>
+              <a:t>Fiber</a:t>
+            </a:r>
+            <a:r>
+              <a:rPr lang="fr-FR" sz="1600" dirty="0"/>
+              <a:t> </a:t>
+            </a:r>
+            <a:r>
+              <a:rPr lang="fr-FR" sz="1600" dirty="0" err="1"/>
+              <a:t>diameter</a:t>
+            </a:r>
+            <a:endParaRPr lang="fr-CA" sz="1600" dirty="0"/>
+          </a:p>
+        </p:txBody>
+      </p:sp>
+      <p:sp>
+        <p:nvSpPr>
+          <p:cNvPr id="2" name="ZoneTexte 1">
+            <a:extLst>
+              <a:ext uri="{FF2B5EF4-FFF2-40B4-BE49-F238E27FC236}">
+                <a16:creationId xmlns:a16="http://schemas.microsoft.com/office/drawing/2014/main" id="{8FAB84FE-4440-FEF5-F855-25308C097D39}"/>
+              </a:ext>
+            </a:extLst>
+          </p:cNvPr>
+          <p:cNvSpPr txBox="1"/>
+          <p:nvPr/>
+        </p:nvSpPr>
+        <p:spPr>
+          <a:xfrm>
+            <a:off x="7670287" y="691092"/>
+            <a:ext cx="1696298" cy="338554"/>
+          </a:xfrm>
+          <a:prstGeom prst="rect">
+            <a:avLst/>
+          </a:prstGeom>
+          <a:noFill/>
+        </p:spPr>
+        <p:txBody>
+          <a:bodyPr wrap="none" rtlCol="0">
+            <a:spAutoFit/>
+          </a:bodyPr>
+          <a:lstStyle/>
+          <a:p>
+            <a:r>
+              <a:rPr lang="fr-CA" sz="1600" dirty="0"/>
+              <a:t>Speed command</a:t>
+            </a:r>
+          </a:p>
+        </p:txBody>
+      </p:sp>
+      <p:cxnSp>
+        <p:nvCxnSpPr>
+          <p:cNvPr id="9" name="Connecteur : en angle 8">
+            <a:extLst>
+              <a:ext uri="{FF2B5EF4-FFF2-40B4-BE49-F238E27FC236}">
+                <a16:creationId xmlns:a16="http://schemas.microsoft.com/office/drawing/2014/main" id="{51FD46E7-D8F3-1CE2-84C9-71DDB9F7E6AF}"/>
+              </a:ext>
+            </a:extLst>
+          </p:cNvPr>
+          <p:cNvCxnSpPr>
+            <a:cxnSpLocks/>
+          </p:cNvCxnSpPr>
+          <p:nvPr/>
+        </p:nvCxnSpPr>
+        <p:spPr>
+          <a:xfrm rot="10800000" flipV="1">
+            <a:off x="8223007" y="4163830"/>
+            <a:ext cx="2717524" cy="1566607"/>
+          </a:xfrm>
+          <a:prstGeom prst="bentConnector3">
+            <a:avLst>
+              <a:gd name="adj1" fmla="val 22290"/>
+            </a:avLst>
+          </a:prstGeom>
+          <a:ln>
+            <a:tailEnd type="triangle"/>
+          </a:ln>
+        </p:spPr>
+        <p:style>
+          <a:lnRef idx="3">
+            <a:schemeClr val="dk1"/>
+          </a:lnRef>
+          <a:fillRef idx="0">
+            <a:schemeClr val="dk1"/>
+          </a:fillRef>
+          <a:effectRef idx="2">
+            <a:schemeClr val="dk1"/>
+          </a:effectRef>
+          <a:fontRef idx="minor">
+            <a:schemeClr val="tx1"/>
+          </a:fontRef>
+        </p:style>
+      </p:cxnSp>
+      <p:cxnSp>
+        <p:nvCxnSpPr>
+          <p:cNvPr id="31" name="Connecteur droit avec flèche 30">
+            <a:extLst>
+              <a:ext uri="{FF2B5EF4-FFF2-40B4-BE49-F238E27FC236}">
+                <a16:creationId xmlns:a16="http://schemas.microsoft.com/office/drawing/2014/main" id="{8BCA6471-4575-FEFF-086A-09E3A494C90E}"/>
+              </a:ext>
+            </a:extLst>
+          </p:cNvPr>
+          <p:cNvCxnSpPr>
+            <a:cxnSpLocks/>
+          </p:cNvCxnSpPr>
+          <p:nvPr/>
+        </p:nvCxnSpPr>
+        <p:spPr>
+          <a:xfrm flipH="1">
+            <a:off x="2609995" y="1025315"/>
+            <a:ext cx="323713" cy="2443"/>
+          </a:xfrm>
+          <a:prstGeom prst="straightConnector1">
+            <a:avLst/>
+          </a:prstGeom>
+          <a:ln>
+            <a:tailEnd type="triangle"/>
+          </a:ln>
+        </p:spPr>
+        <p:style>
+          <a:lnRef idx="3">
+            <a:schemeClr val="dk1"/>
+          </a:lnRef>
+          <a:fillRef idx="0">
+            <a:schemeClr val="dk1"/>
+          </a:fillRef>
+          <a:effectRef idx="2">
+            <a:schemeClr val="dk1"/>
+          </a:effectRef>
+          <a:fontRef idx="minor">
+            <a:schemeClr val="tx1"/>
+          </a:fontRef>
+        </p:style>
+      </p:cxnSp>
+      <p:cxnSp>
+        <p:nvCxnSpPr>
+          <p:cNvPr id="32" name="Connecteur droit avec flèche 31">
+            <a:extLst>
+              <a:ext uri="{FF2B5EF4-FFF2-40B4-BE49-F238E27FC236}">
+                <a16:creationId xmlns:a16="http://schemas.microsoft.com/office/drawing/2014/main" id="{D1504AF7-B44B-4190-07A2-767E0DEF8530}"/>
+              </a:ext>
+            </a:extLst>
+          </p:cNvPr>
+          <p:cNvCxnSpPr>
+            <a:cxnSpLocks/>
+            <a:stCxn id="12" idx="1"/>
+            <a:endCxn id="5" idx="3"/>
+          </p:cNvCxnSpPr>
+          <p:nvPr/>
+        </p:nvCxnSpPr>
+        <p:spPr>
+          <a:xfrm flipH="1" flipV="1">
+            <a:off x="2605510" y="2134106"/>
+            <a:ext cx="373226" cy="3132"/>
+          </a:xfrm>
+          <a:prstGeom prst="straightConnector1">
+            <a:avLst/>
+          </a:prstGeom>
+          <a:ln>
+            <a:tailEnd type="triangle"/>
+          </a:ln>
+        </p:spPr>
+        <p:style>
+          <a:lnRef idx="3">
+            <a:schemeClr val="dk1"/>
+          </a:lnRef>
+          <a:fillRef idx="0">
+            <a:schemeClr val="dk1"/>
+          </a:fillRef>
+          <a:effectRef idx="2">
+            <a:schemeClr val="dk1"/>
+          </a:effectRef>
+          <a:fontRef idx="minor">
+            <a:schemeClr val="tx1"/>
+          </a:fontRef>
+        </p:style>
+      </p:cxnSp>
+      <p:sp>
+        <p:nvSpPr>
+          <p:cNvPr id="43" name="Rectangle 42">
+            <a:extLst>
+              <a:ext uri="{FF2B5EF4-FFF2-40B4-BE49-F238E27FC236}">
+                <a16:creationId xmlns:a16="http://schemas.microsoft.com/office/drawing/2014/main" id="{1DB836C0-F90F-D2A4-7494-9A323970A510}"/>
+              </a:ext>
+            </a:extLst>
+          </p:cNvPr>
+          <p:cNvSpPr/>
+          <p:nvPr/>
+        </p:nvSpPr>
+        <p:spPr>
+          <a:xfrm>
+            <a:off x="806021" y="2718010"/>
+            <a:ext cx="1815547" cy="1020418"/>
+          </a:xfrm>
+          <a:prstGeom prst="rect">
+            <a:avLst/>
+          </a:prstGeom>
+        </p:spPr>
+        <p:style>
+          <a:lnRef idx="2">
+            <a:schemeClr val="accent1">
+              <a:shade val="15000"/>
+            </a:schemeClr>
+          </a:lnRef>
+          <a:fillRef idx="1">
+            <a:schemeClr val="accent1"/>
+          </a:fillRef>
+          <a:effectRef idx="0">
+            <a:schemeClr val="accent1"/>
+          </a:effectRef>
+          <a:fontRef idx="minor">
+            <a:schemeClr val="lt1"/>
+          </a:fontRef>
+        </p:style>
+        <p:txBody>
+          <a:bodyPr rtlCol="0" anchor="ctr"/>
+          <a:lstStyle/>
+          <a:p>
+            <a:pPr algn="ctr"/>
+            <a:r>
+              <a:rPr lang="fr-FR" sz="1600" dirty="0"/>
+              <a:t>Spool stepper </a:t>
+            </a:r>
+            <a:r>
+              <a:rPr lang="fr-FR" sz="1600" dirty="0" err="1"/>
+              <a:t>motor</a:t>
+            </a:r>
+            <a:endParaRPr lang="fr-CA" sz="1600" dirty="0"/>
+          </a:p>
+        </p:txBody>
+      </p:sp>
+      <p:sp>
+        <p:nvSpPr>
+          <p:cNvPr id="44" name="Rectangle 43">
+            <a:extLst>
+              <a:ext uri="{FF2B5EF4-FFF2-40B4-BE49-F238E27FC236}">
+                <a16:creationId xmlns:a16="http://schemas.microsoft.com/office/drawing/2014/main" id="{5BA3B5A6-A668-CAFB-5B93-DEF3817350DF}"/>
+              </a:ext>
+            </a:extLst>
+          </p:cNvPr>
+          <p:cNvSpPr/>
+          <p:nvPr/>
+        </p:nvSpPr>
+        <p:spPr>
+          <a:xfrm>
+            <a:off x="2994794" y="2726112"/>
+            <a:ext cx="1577009" cy="1010478"/>
+          </a:xfrm>
+          <a:prstGeom prst="rect">
+            <a:avLst/>
+          </a:prstGeom>
+        </p:spPr>
+        <p:style>
+          <a:lnRef idx="2">
+            <a:schemeClr val="accent1">
+              <a:shade val="15000"/>
+            </a:schemeClr>
+          </a:lnRef>
+          <a:fillRef idx="1">
+            <a:schemeClr val="accent1"/>
+          </a:fillRef>
+          <a:effectRef idx="0">
+            <a:schemeClr val="accent1"/>
+          </a:effectRef>
+          <a:fontRef idx="minor">
+            <a:schemeClr val="lt1"/>
+          </a:fontRef>
+        </p:style>
+        <p:txBody>
+          <a:bodyPr rtlCol="0" anchor="ctr"/>
+          <a:lstStyle/>
+          <a:p>
+            <a:pPr algn="ctr"/>
+            <a:r>
+              <a:rPr lang="fr-FR" sz="1600" dirty="0"/>
+              <a:t>Stepper motor driver </a:t>
+            </a:r>
+            <a:endParaRPr lang="fr-CA" sz="1600" dirty="0"/>
+          </a:p>
+        </p:txBody>
+      </p:sp>
+      <p:cxnSp>
+        <p:nvCxnSpPr>
+          <p:cNvPr id="46" name="Connecteur : en angle 45">
+            <a:extLst>
+              <a:ext uri="{FF2B5EF4-FFF2-40B4-BE49-F238E27FC236}">
+                <a16:creationId xmlns:a16="http://schemas.microsoft.com/office/drawing/2014/main" id="{88504556-BAF5-FAE2-73A4-0B8AE2F2083C}"/>
+              </a:ext>
+            </a:extLst>
+          </p:cNvPr>
+          <p:cNvCxnSpPr>
+            <a:cxnSpLocks/>
+            <a:endCxn id="44" idx="3"/>
+          </p:cNvCxnSpPr>
+          <p:nvPr/>
+        </p:nvCxnSpPr>
+        <p:spPr>
+          <a:xfrm rot="5400000">
+            <a:off x="4142258" y="1454858"/>
+            <a:ext cx="2206038" cy="1346948"/>
           </a:xfrm>
           <a:prstGeom prst="bentConnector2">
             <a:avLst/>
@@ -3519,1357 +4960,72 @@
           </a:fontRef>
         </p:style>
       </p:cxnSp>
-      <p:sp>
-        <p:nvSpPr>
-          <p:cNvPr id="97" name="ZoneTexte 96">
-            <a:extLst>
-              <a:ext uri="{FF2B5EF4-FFF2-40B4-BE49-F238E27FC236}">
-                <a16:creationId xmlns:a16="http://schemas.microsoft.com/office/drawing/2014/main" id="{54C0324E-A133-99E0-F6A3-09F5D6DEDA9D}"/>
-              </a:ext>
-            </a:extLst>
-          </p:cNvPr>
-          <p:cNvSpPr txBox="1"/>
-          <p:nvPr/>
-        </p:nvSpPr>
-        <p:spPr>
-          <a:xfrm>
-            <a:off x="5752626" y="5020892"/>
-            <a:ext cx="3547896" cy="584775"/>
-          </a:xfrm>
-          <a:prstGeom prst="rect">
-            <a:avLst/>
-          </a:prstGeom>
-          <a:noFill/>
-        </p:spPr>
-        <p:txBody>
-          <a:bodyPr wrap="square" rtlCol="0">
-            <a:spAutoFit/>
-          </a:bodyPr>
-          <a:lstStyle/>
-          <a:p>
-            <a:r>
-              <a:rPr lang="fr-FR" sz="1600" dirty="0"/>
-              <a:t>Ajustement de la vitesse en fonction du diamètre de la fibre</a:t>
-            </a:r>
-            <a:endParaRPr lang="fr-CA" sz="1600" dirty="0"/>
-          </a:p>
-        </p:txBody>
-      </p:sp>
-      <p:grpSp>
-        <p:nvGrpSpPr>
-          <p:cNvPr id="108" name="Groupe 107">
-            <a:extLst>
-              <a:ext uri="{FF2B5EF4-FFF2-40B4-BE49-F238E27FC236}">
-                <a16:creationId xmlns:a16="http://schemas.microsoft.com/office/drawing/2014/main" id="{2448568E-6018-87B2-547E-0450EA47B63A}"/>
-              </a:ext>
-            </a:extLst>
-          </p:cNvPr>
-          <p:cNvGrpSpPr/>
-          <p:nvPr/>
-        </p:nvGrpSpPr>
-        <p:grpSpPr>
-          <a:xfrm>
-            <a:off x="878723" y="275833"/>
-            <a:ext cx="10603105" cy="5626920"/>
-            <a:chOff x="878723" y="275833"/>
-            <a:chExt cx="10603105" cy="5626920"/>
-          </a:xfrm>
-        </p:grpSpPr>
-        <p:sp>
-          <p:nvSpPr>
-            <p:cNvPr id="4" name="Rectangle 3">
-              <a:extLst>
-                <a:ext uri="{FF2B5EF4-FFF2-40B4-BE49-F238E27FC236}">
-                  <a16:creationId xmlns:a16="http://schemas.microsoft.com/office/drawing/2014/main" id="{53B11A6D-B48B-05DD-46E4-2F56D3D6314F}"/>
-                </a:ext>
-              </a:extLst>
-            </p:cNvPr>
-            <p:cNvSpPr/>
-            <p:nvPr/>
-          </p:nvSpPr>
-          <p:spPr>
-            <a:xfrm>
-              <a:off x="878724" y="548029"/>
-              <a:ext cx="1815547" cy="1020418"/>
-            </a:xfrm>
-            <a:prstGeom prst="rect">
-              <a:avLst/>
-            </a:prstGeom>
-          </p:spPr>
-          <p:style>
-            <a:lnRef idx="2">
-              <a:schemeClr val="accent1">
-                <a:shade val="15000"/>
-              </a:schemeClr>
-            </a:lnRef>
-            <a:fillRef idx="1">
-              <a:schemeClr val="accent1"/>
-            </a:fillRef>
-            <a:effectRef idx="0">
-              <a:schemeClr val="accent1"/>
-            </a:effectRef>
-            <a:fontRef idx="minor">
-              <a:schemeClr val="lt1"/>
-            </a:fontRef>
-          </p:style>
-          <p:txBody>
-            <a:bodyPr rtlCol="0" anchor="ctr"/>
-            <a:lstStyle/>
-            <a:p>
-              <a:pPr algn="ctr"/>
-              <a:r>
-                <a:rPr lang="fr-FR" sz="1600" dirty="0"/>
-                <a:t>Stepper motor of preform</a:t>
-              </a:r>
-              <a:endParaRPr lang="fr-CA" sz="1600" dirty="0"/>
-            </a:p>
-          </p:txBody>
-        </p:sp>
-        <p:sp>
-          <p:nvSpPr>
-            <p:cNvPr id="5" name="Rectangle 4">
-              <a:extLst>
-                <a:ext uri="{FF2B5EF4-FFF2-40B4-BE49-F238E27FC236}">
-                  <a16:creationId xmlns:a16="http://schemas.microsoft.com/office/drawing/2014/main" id="{8285D3C0-1F96-605D-0967-6043F2CF6D7F}"/>
-                </a:ext>
-              </a:extLst>
-            </p:cNvPr>
-            <p:cNvSpPr/>
-            <p:nvPr/>
-          </p:nvSpPr>
-          <p:spPr>
-            <a:xfrm>
-              <a:off x="878723" y="4542182"/>
-              <a:ext cx="1815547" cy="1020418"/>
-            </a:xfrm>
-            <a:prstGeom prst="rect">
-              <a:avLst/>
-            </a:prstGeom>
-          </p:spPr>
-          <p:style>
-            <a:lnRef idx="2">
-              <a:schemeClr val="accent1">
-                <a:shade val="15000"/>
-              </a:schemeClr>
-            </a:lnRef>
-            <a:fillRef idx="1">
-              <a:schemeClr val="accent1"/>
-            </a:fillRef>
-            <a:effectRef idx="0">
-              <a:schemeClr val="accent1"/>
-            </a:effectRef>
-            <a:fontRef idx="minor">
-              <a:schemeClr val="lt1"/>
-            </a:fontRef>
-          </p:style>
-          <p:txBody>
-            <a:bodyPr rtlCol="0" anchor="ctr"/>
-            <a:lstStyle/>
-            <a:p>
-              <a:pPr algn="ctr"/>
-              <a:r>
-                <a:rPr lang="fr-FR" sz="1600" dirty="0"/>
-                <a:t>Stepper motor of cabestan</a:t>
-              </a:r>
-              <a:endParaRPr lang="fr-CA" sz="1600" dirty="0"/>
-            </a:p>
-          </p:txBody>
-        </p:sp>
-        <p:sp>
-          <p:nvSpPr>
-            <p:cNvPr id="6" name="Rectangle 5">
-              <a:extLst>
-                <a:ext uri="{FF2B5EF4-FFF2-40B4-BE49-F238E27FC236}">
-                  <a16:creationId xmlns:a16="http://schemas.microsoft.com/office/drawing/2014/main" id="{3E51C04A-59EA-72C8-2F05-0A2AA3F9AAC3}"/>
-                </a:ext>
-              </a:extLst>
-            </p:cNvPr>
-            <p:cNvSpPr/>
-            <p:nvPr/>
-          </p:nvSpPr>
-          <p:spPr>
-            <a:xfrm>
-              <a:off x="882451" y="1967949"/>
-              <a:ext cx="1815547" cy="1020418"/>
-            </a:xfrm>
-            <a:prstGeom prst="rect">
-              <a:avLst/>
-            </a:prstGeom>
-          </p:spPr>
-          <p:style>
-            <a:lnRef idx="2">
-              <a:schemeClr val="accent1">
-                <a:shade val="15000"/>
-              </a:schemeClr>
-            </a:lnRef>
-            <a:fillRef idx="1">
-              <a:schemeClr val="accent1"/>
-            </a:fillRef>
-            <a:effectRef idx="0">
-              <a:schemeClr val="accent1"/>
-            </a:effectRef>
-            <a:fontRef idx="minor">
-              <a:schemeClr val="lt1"/>
-            </a:fontRef>
-          </p:style>
-          <p:txBody>
-            <a:bodyPr rtlCol="0" anchor="ctr"/>
-            <a:lstStyle/>
-            <a:p>
-              <a:pPr algn="ctr"/>
-              <a:r>
-                <a:rPr lang="fr-FR" sz="1600" dirty="0"/>
-                <a:t>Furnace</a:t>
-              </a:r>
-              <a:endParaRPr lang="fr-CA" sz="1600" dirty="0"/>
-            </a:p>
-          </p:txBody>
-        </p:sp>
-        <p:sp>
-          <p:nvSpPr>
-            <p:cNvPr id="7" name="Rectangle 6">
-              <a:extLst>
-                <a:ext uri="{FF2B5EF4-FFF2-40B4-BE49-F238E27FC236}">
-                  <a16:creationId xmlns:a16="http://schemas.microsoft.com/office/drawing/2014/main" id="{42E1471F-5B4E-406E-6E68-D7058E9313F0}"/>
-                </a:ext>
-              </a:extLst>
-            </p:cNvPr>
-            <p:cNvSpPr/>
-            <p:nvPr/>
-          </p:nvSpPr>
-          <p:spPr>
-            <a:xfrm>
-              <a:off x="910673" y="3390640"/>
-              <a:ext cx="1815547" cy="901147"/>
-            </a:xfrm>
-            <a:prstGeom prst="rect">
-              <a:avLst/>
-            </a:prstGeom>
-          </p:spPr>
-          <p:style>
-            <a:lnRef idx="2">
-              <a:schemeClr val="accent1">
-                <a:shade val="15000"/>
-              </a:schemeClr>
-            </a:lnRef>
-            <a:fillRef idx="1">
-              <a:schemeClr val="accent1"/>
-            </a:fillRef>
-            <a:effectRef idx="0">
-              <a:schemeClr val="accent1"/>
-            </a:effectRef>
-            <a:fontRef idx="minor">
-              <a:schemeClr val="lt1"/>
-            </a:fontRef>
-          </p:style>
-          <p:txBody>
-            <a:bodyPr rtlCol="0" anchor="ctr"/>
-            <a:lstStyle/>
-            <a:p>
-              <a:pPr algn="ctr"/>
-              <a:r>
-                <a:rPr lang="fr-FR" sz="1600" dirty="0"/>
-                <a:t>Laser sensor</a:t>
-              </a:r>
-              <a:endParaRPr lang="fr-CA" sz="1600" dirty="0"/>
-            </a:p>
-          </p:txBody>
-        </p:sp>
-        <p:sp>
-          <p:nvSpPr>
-            <p:cNvPr id="10" name="Rectangle 9">
-              <a:extLst>
-                <a:ext uri="{FF2B5EF4-FFF2-40B4-BE49-F238E27FC236}">
-                  <a16:creationId xmlns:a16="http://schemas.microsoft.com/office/drawing/2014/main" id="{FD05CB04-0B90-0A17-0024-1E7871624B2F}"/>
-                </a:ext>
-              </a:extLst>
-            </p:cNvPr>
-            <p:cNvSpPr/>
-            <p:nvPr/>
-          </p:nvSpPr>
-          <p:spPr>
-            <a:xfrm>
-              <a:off x="7506176" y="2007702"/>
-              <a:ext cx="3975652" cy="2186609"/>
-            </a:xfrm>
-            <a:prstGeom prst="rect">
-              <a:avLst/>
-            </a:prstGeom>
-          </p:spPr>
-          <p:style>
-            <a:lnRef idx="2">
-              <a:schemeClr val="accent1">
-                <a:shade val="15000"/>
-              </a:schemeClr>
-            </a:lnRef>
-            <a:fillRef idx="1">
-              <a:schemeClr val="accent1"/>
-            </a:fillRef>
-            <a:effectRef idx="0">
-              <a:schemeClr val="accent1"/>
-            </a:effectRef>
-            <a:fontRef idx="minor">
-              <a:schemeClr val="lt1"/>
-            </a:fontRef>
-          </p:style>
-          <p:txBody>
-            <a:bodyPr rtlCol="0" anchor="ctr"/>
-            <a:lstStyle/>
-            <a:p>
-              <a:pPr algn="ctr"/>
-              <a:r>
-                <a:rPr lang="fr-FR" sz="1600" dirty="0"/>
-                <a:t>Arduino Uno (Mega ?)</a:t>
-              </a:r>
-              <a:endParaRPr lang="fr-CA" sz="1600" dirty="0"/>
-            </a:p>
-          </p:txBody>
-        </p:sp>
-        <p:sp>
-          <p:nvSpPr>
-            <p:cNvPr id="12" name="Rectangle 11">
-              <a:extLst>
-                <a:ext uri="{FF2B5EF4-FFF2-40B4-BE49-F238E27FC236}">
-                  <a16:creationId xmlns:a16="http://schemas.microsoft.com/office/drawing/2014/main" id="{0D343779-40BE-0B2D-9E33-DE45D7001D97}"/>
-                </a:ext>
-              </a:extLst>
-            </p:cNvPr>
-            <p:cNvSpPr/>
-            <p:nvPr/>
-          </p:nvSpPr>
-          <p:spPr>
-            <a:xfrm>
-              <a:off x="4178516" y="4504885"/>
-              <a:ext cx="1577009" cy="1010478"/>
-            </a:xfrm>
-            <a:prstGeom prst="rect">
-              <a:avLst/>
-            </a:prstGeom>
-          </p:spPr>
-          <p:style>
-            <a:lnRef idx="2">
-              <a:schemeClr val="accent1">
-                <a:shade val="15000"/>
-              </a:schemeClr>
-            </a:lnRef>
-            <a:fillRef idx="1">
-              <a:schemeClr val="accent1"/>
-            </a:fillRef>
-            <a:effectRef idx="0">
-              <a:schemeClr val="accent1"/>
-            </a:effectRef>
-            <a:fontRef idx="minor">
-              <a:schemeClr val="lt1"/>
-            </a:fontRef>
-          </p:style>
-          <p:txBody>
-            <a:bodyPr rtlCol="0" anchor="ctr"/>
-            <a:lstStyle/>
-            <a:p>
-              <a:pPr algn="ctr"/>
-              <a:r>
-                <a:rPr lang="fr-FR" sz="1600" dirty="0"/>
-                <a:t>Stepper motor driver </a:t>
-              </a:r>
-              <a:endParaRPr lang="fr-CA" sz="1600" dirty="0"/>
-            </a:p>
-          </p:txBody>
-        </p:sp>
-        <p:cxnSp>
-          <p:nvCxnSpPr>
-            <p:cNvPr id="16" name="Connecteur droit avec flèche 15">
-              <a:extLst>
-                <a:ext uri="{FF2B5EF4-FFF2-40B4-BE49-F238E27FC236}">
-                  <a16:creationId xmlns:a16="http://schemas.microsoft.com/office/drawing/2014/main" id="{11CDED41-8F5D-274F-4574-2E7B248AC9F8}"/>
-                </a:ext>
-              </a:extLst>
-            </p:cNvPr>
-            <p:cNvCxnSpPr>
-              <a:cxnSpLocks/>
-            </p:cNvCxnSpPr>
-            <p:nvPr/>
-          </p:nvCxnSpPr>
-          <p:spPr>
-            <a:xfrm flipV="1">
-              <a:off x="2694270" y="4749862"/>
-              <a:ext cx="1484246" cy="4970"/>
-            </a:xfrm>
-            <a:prstGeom prst="straightConnector1">
-              <a:avLst/>
-            </a:prstGeom>
-            <a:ln>
-              <a:tailEnd type="triangle"/>
-            </a:ln>
-          </p:spPr>
-          <p:style>
-            <a:lnRef idx="3">
-              <a:schemeClr val="dk1"/>
-            </a:lnRef>
-            <a:fillRef idx="0">
-              <a:schemeClr val="dk1"/>
-            </a:fillRef>
-            <a:effectRef idx="2">
-              <a:schemeClr val="dk1"/>
-            </a:effectRef>
-            <a:fontRef idx="minor">
-              <a:schemeClr val="tx1"/>
-            </a:fontRef>
-          </p:style>
-        </p:cxnSp>
-        <p:cxnSp>
-          <p:nvCxnSpPr>
-            <p:cNvPr id="19" name="Connecteur droit avec flèche 18">
-              <a:extLst>
-                <a:ext uri="{FF2B5EF4-FFF2-40B4-BE49-F238E27FC236}">
-                  <a16:creationId xmlns:a16="http://schemas.microsoft.com/office/drawing/2014/main" id="{9DBEDF3E-1326-CD39-E62D-D3F6327B2CAD}"/>
-                </a:ext>
-              </a:extLst>
-            </p:cNvPr>
-            <p:cNvCxnSpPr>
-              <a:cxnSpLocks/>
-            </p:cNvCxnSpPr>
-            <p:nvPr/>
-          </p:nvCxnSpPr>
-          <p:spPr>
-            <a:xfrm flipH="1">
-              <a:off x="2694270" y="5360505"/>
-              <a:ext cx="1484246" cy="0"/>
-            </a:xfrm>
-            <a:prstGeom prst="straightConnector1">
-              <a:avLst/>
-            </a:prstGeom>
-            <a:ln>
-              <a:tailEnd type="triangle"/>
-            </a:ln>
-          </p:spPr>
-          <p:style>
-            <a:lnRef idx="3">
-              <a:schemeClr val="dk1"/>
-            </a:lnRef>
-            <a:fillRef idx="0">
-              <a:schemeClr val="dk1"/>
-            </a:fillRef>
-            <a:effectRef idx="2">
-              <a:schemeClr val="dk1"/>
-            </a:effectRef>
-            <a:fontRef idx="minor">
-              <a:schemeClr val="tx1"/>
-            </a:fontRef>
-          </p:style>
-        </p:cxnSp>
-        <p:sp>
-          <p:nvSpPr>
-            <p:cNvPr id="22" name="Rectangle 21">
-              <a:extLst>
-                <a:ext uri="{FF2B5EF4-FFF2-40B4-BE49-F238E27FC236}">
-                  <a16:creationId xmlns:a16="http://schemas.microsoft.com/office/drawing/2014/main" id="{5C59D429-2DB9-57CE-CECF-69470E8C174D}"/>
-                </a:ext>
-              </a:extLst>
-            </p:cNvPr>
-            <p:cNvSpPr/>
-            <p:nvPr/>
-          </p:nvSpPr>
-          <p:spPr>
-            <a:xfrm>
-              <a:off x="4866607" y="2001077"/>
-              <a:ext cx="1716259" cy="947532"/>
-            </a:xfrm>
-            <a:prstGeom prst="rect">
-              <a:avLst/>
-            </a:prstGeom>
-          </p:spPr>
-          <p:style>
-            <a:lnRef idx="2">
-              <a:schemeClr val="accent1">
-                <a:shade val="15000"/>
-              </a:schemeClr>
-            </a:lnRef>
-            <a:fillRef idx="1">
-              <a:schemeClr val="accent1"/>
-            </a:fillRef>
-            <a:effectRef idx="0">
-              <a:schemeClr val="accent1"/>
-            </a:effectRef>
-            <a:fontRef idx="minor">
-              <a:schemeClr val="lt1"/>
-            </a:fontRef>
-          </p:style>
-          <p:txBody>
-            <a:bodyPr rtlCol="0" anchor="ctr"/>
-            <a:lstStyle/>
-            <a:p>
-              <a:pPr algn="ctr"/>
-              <a:r>
-                <a:rPr lang="fr-FR" sz="1600" dirty="0"/>
-                <a:t>Thermocouple +</a:t>
-              </a:r>
-            </a:p>
-            <a:p>
-              <a:pPr algn="ctr"/>
-              <a:r>
-                <a:rPr lang="fr-FR" sz="1600" dirty="0"/>
-                <a:t>PID</a:t>
-              </a:r>
-              <a:endParaRPr lang="fr-CA" sz="1600" dirty="0"/>
-            </a:p>
-          </p:txBody>
-        </p:sp>
-        <p:cxnSp>
-          <p:nvCxnSpPr>
-            <p:cNvPr id="24" name="Connecteur droit avec flèche 23">
-              <a:extLst>
-                <a:ext uri="{FF2B5EF4-FFF2-40B4-BE49-F238E27FC236}">
-                  <a16:creationId xmlns:a16="http://schemas.microsoft.com/office/drawing/2014/main" id="{18268B11-5E8E-EA6F-45FA-A28EC2F06139}"/>
-                </a:ext>
-              </a:extLst>
-            </p:cNvPr>
-            <p:cNvCxnSpPr>
-              <a:cxnSpLocks/>
-            </p:cNvCxnSpPr>
-            <p:nvPr/>
-          </p:nvCxnSpPr>
-          <p:spPr>
-            <a:xfrm>
-              <a:off x="2694270" y="2179422"/>
-              <a:ext cx="2172337" cy="0"/>
-            </a:xfrm>
-            <a:prstGeom prst="straightConnector1">
-              <a:avLst/>
-            </a:prstGeom>
-            <a:ln>
-              <a:tailEnd type="triangle"/>
-            </a:ln>
-          </p:spPr>
-          <p:style>
-            <a:lnRef idx="3">
-              <a:schemeClr val="dk1"/>
-            </a:lnRef>
-            <a:fillRef idx="0">
-              <a:schemeClr val="dk1"/>
-            </a:fillRef>
-            <a:effectRef idx="2">
-              <a:schemeClr val="dk1"/>
-            </a:effectRef>
-            <a:fontRef idx="minor">
-              <a:schemeClr val="tx1"/>
-            </a:fontRef>
-          </p:style>
-        </p:cxnSp>
-        <p:cxnSp>
-          <p:nvCxnSpPr>
-            <p:cNvPr id="34" name="Connecteur droit avec flèche 33">
-              <a:extLst>
-                <a:ext uri="{FF2B5EF4-FFF2-40B4-BE49-F238E27FC236}">
-                  <a16:creationId xmlns:a16="http://schemas.microsoft.com/office/drawing/2014/main" id="{C8269B9B-EC09-2CF3-87AE-57BA367FD573}"/>
-                </a:ext>
-              </a:extLst>
-            </p:cNvPr>
-            <p:cNvCxnSpPr>
-              <a:stCxn id="22" idx="3"/>
-            </p:cNvCxnSpPr>
-            <p:nvPr/>
-          </p:nvCxnSpPr>
-          <p:spPr>
-            <a:xfrm>
-              <a:off x="6582866" y="2474843"/>
-              <a:ext cx="891360" cy="0"/>
-            </a:xfrm>
-            <a:prstGeom prst="straightConnector1">
-              <a:avLst/>
-            </a:prstGeom>
-            <a:ln w="19050" cap="flat" cmpd="sng" algn="ctr">
-              <a:solidFill>
-                <a:schemeClr val="dk1"/>
-              </a:solidFill>
-              <a:prstDash val="dash"/>
-              <a:round/>
-              <a:headEnd type="none" w="med" len="med"/>
-              <a:tailEnd type="none" w="med" len="med"/>
-            </a:ln>
-          </p:spPr>
-          <p:style>
-            <a:lnRef idx="0">
-              <a:scrgbClr r="0" g="0" b="0"/>
-            </a:lnRef>
-            <a:fillRef idx="0">
-              <a:scrgbClr r="0" g="0" b="0"/>
-            </a:fillRef>
-            <a:effectRef idx="0">
-              <a:scrgbClr r="0" g="0" b="0"/>
-            </a:effectRef>
-            <a:fontRef idx="minor">
-              <a:schemeClr val="tx1"/>
-            </a:fontRef>
-          </p:style>
-        </p:cxnSp>
-        <p:cxnSp>
-          <p:nvCxnSpPr>
-            <p:cNvPr id="35" name="Connecteur droit avec flèche 34">
-              <a:extLst>
-                <a:ext uri="{FF2B5EF4-FFF2-40B4-BE49-F238E27FC236}">
-                  <a16:creationId xmlns:a16="http://schemas.microsoft.com/office/drawing/2014/main" id="{8123910F-577A-1BED-8922-8AC22D433070}"/>
-                </a:ext>
-              </a:extLst>
-            </p:cNvPr>
-            <p:cNvCxnSpPr>
-              <a:cxnSpLocks/>
-            </p:cNvCxnSpPr>
-            <p:nvPr/>
-          </p:nvCxnSpPr>
-          <p:spPr>
-            <a:xfrm flipH="1">
-              <a:off x="2694270" y="2759740"/>
-              <a:ext cx="2172337" cy="0"/>
-            </a:xfrm>
-            <a:prstGeom prst="straightConnector1">
-              <a:avLst/>
-            </a:prstGeom>
-            <a:ln>
-              <a:tailEnd type="triangle"/>
-            </a:ln>
-          </p:spPr>
-          <p:style>
-            <a:lnRef idx="3">
-              <a:schemeClr val="dk1"/>
-            </a:lnRef>
-            <a:fillRef idx="0">
-              <a:schemeClr val="dk1"/>
-            </a:fillRef>
-            <a:effectRef idx="2">
-              <a:schemeClr val="dk1"/>
-            </a:effectRef>
-            <a:fontRef idx="minor">
-              <a:schemeClr val="tx1"/>
-            </a:fontRef>
-          </p:style>
-        </p:cxnSp>
-        <p:sp>
-          <p:nvSpPr>
-            <p:cNvPr id="40" name="Rectangle 39">
-              <a:extLst>
-                <a:ext uri="{FF2B5EF4-FFF2-40B4-BE49-F238E27FC236}">
-                  <a16:creationId xmlns:a16="http://schemas.microsoft.com/office/drawing/2014/main" id="{E45E892B-26A1-7722-05E7-ABDBEC54F7E7}"/>
-                </a:ext>
-              </a:extLst>
-            </p:cNvPr>
-            <p:cNvSpPr/>
-            <p:nvPr/>
-          </p:nvSpPr>
-          <p:spPr>
-            <a:xfrm>
-              <a:off x="5999921" y="586407"/>
-              <a:ext cx="1577009" cy="1010478"/>
-            </a:xfrm>
-            <a:prstGeom prst="rect">
-              <a:avLst/>
-            </a:prstGeom>
-          </p:spPr>
-          <p:style>
-            <a:lnRef idx="2">
-              <a:schemeClr val="accent1">
-                <a:shade val="15000"/>
-              </a:schemeClr>
-            </a:lnRef>
-            <a:fillRef idx="1">
-              <a:schemeClr val="accent1"/>
-            </a:fillRef>
-            <a:effectRef idx="0">
-              <a:schemeClr val="accent1"/>
-            </a:effectRef>
-            <a:fontRef idx="minor">
-              <a:schemeClr val="lt1"/>
-            </a:fontRef>
-          </p:style>
-          <p:txBody>
-            <a:bodyPr rtlCol="0" anchor="ctr"/>
-            <a:lstStyle/>
-            <a:p>
-              <a:pPr algn="ctr"/>
-              <a:r>
-                <a:rPr lang="fr-FR" sz="1600" dirty="0"/>
-                <a:t>Stepper motor driver </a:t>
-              </a:r>
-              <a:endParaRPr lang="fr-CA" sz="1600" dirty="0"/>
-            </a:p>
-          </p:txBody>
-        </p:sp>
-        <p:cxnSp>
-          <p:nvCxnSpPr>
-            <p:cNvPr id="42" name="Connecteur droit avec flèche 41">
-              <a:extLst>
-                <a:ext uri="{FF2B5EF4-FFF2-40B4-BE49-F238E27FC236}">
-                  <a16:creationId xmlns:a16="http://schemas.microsoft.com/office/drawing/2014/main" id="{909EEAC5-4E5C-079B-713E-0FD540CC23FA}"/>
-                </a:ext>
-              </a:extLst>
-            </p:cNvPr>
-            <p:cNvCxnSpPr>
-              <a:cxnSpLocks/>
-              <a:stCxn id="7" idx="3"/>
-            </p:cNvCxnSpPr>
-            <p:nvPr/>
-          </p:nvCxnSpPr>
-          <p:spPr>
-            <a:xfrm flipV="1">
-              <a:off x="2726220" y="3826567"/>
-              <a:ext cx="4779956" cy="14647"/>
-            </a:xfrm>
-            <a:prstGeom prst="straightConnector1">
-              <a:avLst/>
-            </a:prstGeom>
-            <a:ln>
-              <a:tailEnd type="triangle"/>
-            </a:ln>
-          </p:spPr>
-          <p:style>
-            <a:lnRef idx="3">
-              <a:schemeClr val="dk1"/>
-            </a:lnRef>
-            <a:fillRef idx="0">
-              <a:schemeClr val="dk1"/>
-            </a:fillRef>
-            <a:effectRef idx="2">
-              <a:schemeClr val="dk1"/>
-            </a:effectRef>
-            <a:fontRef idx="minor">
-              <a:schemeClr val="tx1"/>
-            </a:fontRef>
-          </p:style>
-        </p:cxnSp>
-        <p:cxnSp>
-          <p:nvCxnSpPr>
-            <p:cNvPr id="45" name="Connecteur : en angle 44">
-              <a:extLst>
-                <a:ext uri="{FF2B5EF4-FFF2-40B4-BE49-F238E27FC236}">
-                  <a16:creationId xmlns:a16="http://schemas.microsoft.com/office/drawing/2014/main" id="{F322AE1D-8FAB-2963-4A88-F34AF83AE578}"/>
-                </a:ext>
-              </a:extLst>
-            </p:cNvPr>
-            <p:cNvCxnSpPr>
-              <a:cxnSpLocks/>
-              <a:stCxn id="10" idx="2"/>
-              <a:endCxn id="12" idx="3"/>
-            </p:cNvCxnSpPr>
-            <p:nvPr/>
-          </p:nvCxnSpPr>
-          <p:spPr>
-            <a:xfrm rot="5400000">
-              <a:off x="7216858" y="2732979"/>
-              <a:ext cx="815813" cy="3738477"/>
-            </a:xfrm>
-            <a:prstGeom prst="bentConnector2">
-              <a:avLst/>
-            </a:prstGeom>
-            <a:ln>
-              <a:tailEnd type="triangle"/>
-            </a:ln>
-          </p:spPr>
-          <p:style>
-            <a:lnRef idx="3">
-              <a:schemeClr val="dk1"/>
-            </a:lnRef>
-            <a:fillRef idx="0">
-              <a:schemeClr val="dk1"/>
-            </a:fillRef>
-            <a:effectRef idx="2">
-              <a:schemeClr val="dk1"/>
-            </a:effectRef>
-            <a:fontRef idx="minor">
-              <a:schemeClr val="tx1"/>
-            </a:fontRef>
-          </p:style>
-        </p:cxnSp>
-        <p:cxnSp>
-          <p:nvCxnSpPr>
-            <p:cNvPr id="47" name="Connecteur droit avec flèche 46">
-              <a:extLst>
-                <a:ext uri="{FF2B5EF4-FFF2-40B4-BE49-F238E27FC236}">
-                  <a16:creationId xmlns:a16="http://schemas.microsoft.com/office/drawing/2014/main" id="{9FD62D58-F12E-EC8D-5882-79D3638C7012}"/>
-                </a:ext>
-              </a:extLst>
-            </p:cNvPr>
-            <p:cNvCxnSpPr>
-              <a:cxnSpLocks/>
-            </p:cNvCxnSpPr>
-            <p:nvPr/>
-          </p:nvCxnSpPr>
-          <p:spPr>
-            <a:xfrm>
-              <a:off x="2694270" y="831015"/>
-              <a:ext cx="3305651" cy="0"/>
-            </a:xfrm>
-            <a:prstGeom prst="straightConnector1">
-              <a:avLst/>
-            </a:prstGeom>
-            <a:ln>
-              <a:tailEnd type="triangle"/>
-            </a:ln>
-          </p:spPr>
-          <p:style>
-            <a:lnRef idx="3">
-              <a:schemeClr val="dk1"/>
-            </a:lnRef>
-            <a:fillRef idx="0">
-              <a:schemeClr val="dk1"/>
-            </a:fillRef>
-            <a:effectRef idx="2">
-              <a:schemeClr val="dk1"/>
-            </a:effectRef>
-            <a:fontRef idx="minor">
-              <a:schemeClr val="tx1"/>
-            </a:fontRef>
-          </p:style>
-        </p:cxnSp>
-        <p:cxnSp>
-          <p:nvCxnSpPr>
-            <p:cNvPr id="50" name="Connecteur droit avec flèche 49">
-              <a:extLst>
-                <a:ext uri="{FF2B5EF4-FFF2-40B4-BE49-F238E27FC236}">
-                  <a16:creationId xmlns:a16="http://schemas.microsoft.com/office/drawing/2014/main" id="{8BCA6471-4575-FEFF-086A-09E3A494C90E}"/>
-                </a:ext>
-              </a:extLst>
-            </p:cNvPr>
-            <p:cNvCxnSpPr>
-              <a:cxnSpLocks/>
-            </p:cNvCxnSpPr>
-            <p:nvPr/>
-          </p:nvCxnSpPr>
-          <p:spPr>
-            <a:xfrm flipH="1">
-              <a:off x="2694270" y="1319689"/>
-              <a:ext cx="3305651" cy="14273"/>
-            </a:xfrm>
-            <a:prstGeom prst="straightConnector1">
-              <a:avLst/>
-            </a:prstGeom>
-            <a:ln>
-              <a:tailEnd type="triangle"/>
-            </a:ln>
-          </p:spPr>
-          <p:style>
-            <a:lnRef idx="3">
-              <a:schemeClr val="dk1"/>
-            </a:lnRef>
-            <a:fillRef idx="0">
-              <a:schemeClr val="dk1"/>
-            </a:fillRef>
-            <a:effectRef idx="2">
-              <a:schemeClr val="dk1"/>
-            </a:effectRef>
-            <a:fontRef idx="minor">
-              <a:schemeClr val="tx1"/>
-            </a:fontRef>
-          </p:style>
-        </p:cxnSp>
-        <p:sp>
-          <p:nvSpPr>
-            <p:cNvPr id="53" name="ZoneTexte 52">
-              <a:extLst>
-                <a:ext uri="{FF2B5EF4-FFF2-40B4-BE49-F238E27FC236}">
-                  <a16:creationId xmlns:a16="http://schemas.microsoft.com/office/drawing/2014/main" id="{4876996B-9336-4E5A-0DD8-6AC73E38D7AE}"/>
-                </a:ext>
-              </a:extLst>
-            </p:cNvPr>
-            <p:cNvSpPr txBox="1"/>
-            <p:nvPr/>
-          </p:nvSpPr>
-          <p:spPr>
-            <a:xfrm flipH="1">
-              <a:off x="6591024" y="2113795"/>
-              <a:ext cx="1325969" cy="338554"/>
-            </a:xfrm>
-            <a:prstGeom prst="rect">
-              <a:avLst/>
-            </a:prstGeom>
-            <a:noFill/>
-          </p:spPr>
-          <p:txBody>
-            <a:bodyPr wrap="square" rtlCol="0">
-              <a:spAutoFit/>
-            </a:bodyPr>
-            <a:lstStyle/>
-            <a:p>
-              <a:r>
-                <a:rPr lang="fr-FR" sz="1600" dirty="0"/>
-                <a:t>T° </a:t>
-              </a:r>
-              <a:r>
-                <a:rPr lang="fr-FR" sz="1600" baseline="-25000" dirty="0"/>
-                <a:t>réelle</a:t>
-              </a:r>
-              <a:endParaRPr lang="fr-CA" sz="1600" baseline="-25000" dirty="0"/>
-            </a:p>
-          </p:txBody>
-        </p:sp>
-        <p:cxnSp>
-          <p:nvCxnSpPr>
-            <p:cNvPr id="54" name="Connecteur : en angle 53">
-              <a:extLst>
-                <a:ext uri="{FF2B5EF4-FFF2-40B4-BE49-F238E27FC236}">
-                  <a16:creationId xmlns:a16="http://schemas.microsoft.com/office/drawing/2014/main" id="{FD3F7872-B2AA-8DFF-D258-59B429408C53}"/>
-                </a:ext>
-              </a:extLst>
-            </p:cNvPr>
-            <p:cNvCxnSpPr>
-              <a:cxnSpLocks/>
-            </p:cNvCxnSpPr>
-            <p:nvPr/>
-          </p:nvCxnSpPr>
-          <p:spPr>
-            <a:xfrm flipV="1">
-              <a:off x="5804449" y="4183544"/>
-              <a:ext cx="2173162" cy="566318"/>
-            </a:xfrm>
-            <a:prstGeom prst="bentConnector3">
-              <a:avLst>
-                <a:gd name="adj1" fmla="val 99528"/>
-              </a:avLst>
-            </a:prstGeom>
-            <a:ln>
-              <a:tailEnd type="triangle"/>
-            </a:ln>
-          </p:spPr>
-          <p:style>
-            <a:lnRef idx="3">
-              <a:schemeClr val="dk1"/>
-            </a:lnRef>
-            <a:fillRef idx="0">
-              <a:schemeClr val="dk1"/>
-            </a:fillRef>
-            <a:effectRef idx="2">
-              <a:schemeClr val="dk1"/>
-            </a:effectRef>
-            <a:fontRef idx="minor">
-              <a:schemeClr val="tx1"/>
-            </a:fontRef>
-          </p:style>
-        </p:cxnSp>
-        <p:sp>
-          <p:nvSpPr>
-            <p:cNvPr id="69" name="ZoneTexte 68">
-              <a:extLst>
-                <a:ext uri="{FF2B5EF4-FFF2-40B4-BE49-F238E27FC236}">
-                  <a16:creationId xmlns:a16="http://schemas.microsoft.com/office/drawing/2014/main" id="{75DE21C1-2E6B-55BE-6ACB-774584264E54}"/>
-                </a:ext>
-              </a:extLst>
-            </p:cNvPr>
-            <p:cNvSpPr txBox="1"/>
-            <p:nvPr/>
-          </p:nvSpPr>
-          <p:spPr>
-            <a:xfrm>
-              <a:off x="3408999" y="384313"/>
-              <a:ext cx="2609909" cy="338554"/>
-            </a:xfrm>
-            <a:prstGeom prst="rect">
-              <a:avLst/>
-            </a:prstGeom>
-            <a:noFill/>
-          </p:spPr>
-          <p:txBody>
-            <a:bodyPr wrap="square" rtlCol="0">
-              <a:spAutoFit/>
-            </a:bodyPr>
-            <a:lstStyle/>
-            <a:p>
-              <a:r>
-                <a:rPr lang="fr-FR" sz="1600" dirty="0"/>
-                <a:t>Vitesse réelle (V2)</a:t>
-              </a:r>
-              <a:endParaRPr lang="fr-CA" sz="1600" dirty="0"/>
-            </a:p>
-          </p:txBody>
-        </p:sp>
-        <p:sp>
-          <p:nvSpPr>
-            <p:cNvPr id="76" name="ZoneTexte 75">
-              <a:extLst>
-                <a:ext uri="{FF2B5EF4-FFF2-40B4-BE49-F238E27FC236}">
-                  <a16:creationId xmlns:a16="http://schemas.microsoft.com/office/drawing/2014/main" id="{5A11C2CC-7938-D63D-2158-60B521CE423B}"/>
-                </a:ext>
-              </a:extLst>
-            </p:cNvPr>
-            <p:cNvSpPr txBox="1"/>
-            <p:nvPr/>
-          </p:nvSpPr>
-          <p:spPr>
-            <a:xfrm>
-              <a:off x="7719595" y="275833"/>
-              <a:ext cx="3499321" cy="830997"/>
-            </a:xfrm>
-            <a:prstGeom prst="rect">
-              <a:avLst/>
-            </a:prstGeom>
-            <a:noFill/>
-          </p:spPr>
-          <p:txBody>
-            <a:bodyPr wrap="square" rtlCol="0">
-              <a:spAutoFit/>
-            </a:bodyPr>
-            <a:lstStyle/>
-            <a:p>
-              <a:r>
-                <a:rPr lang="fr-FR" sz="1600" dirty="0"/>
-                <a:t>Départ manuel</a:t>
-              </a:r>
-              <a:r>
-                <a:rPr lang="fr-CA" sz="1600" dirty="0"/>
-                <a:t> via application à terme automatisation du process en fonction de la T° du four </a:t>
-              </a:r>
-              <a:endParaRPr lang="fr-FR" sz="1600" dirty="0"/>
-            </a:p>
-          </p:txBody>
-        </p:sp>
-        <p:sp>
-          <p:nvSpPr>
-            <p:cNvPr id="91" name="ZoneTexte 90">
-              <a:extLst>
-                <a:ext uri="{FF2B5EF4-FFF2-40B4-BE49-F238E27FC236}">
-                  <a16:creationId xmlns:a16="http://schemas.microsoft.com/office/drawing/2014/main" id="{DBDD1BF2-C93C-5B83-15B7-F489AF75078E}"/>
-                </a:ext>
-              </a:extLst>
-            </p:cNvPr>
-            <p:cNvSpPr txBox="1"/>
-            <p:nvPr/>
-          </p:nvSpPr>
-          <p:spPr>
-            <a:xfrm>
-              <a:off x="3295650" y="1733550"/>
-              <a:ext cx="979357" cy="338554"/>
-            </a:xfrm>
-            <a:prstGeom prst="rect">
-              <a:avLst/>
-            </a:prstGeom>
-            <a:noFill/>
-          </p:spPr>
-          <p:txBody>
-            <a:bodyPr wrap="square" rtlCol="0">
-              <a:spAutoFit/>
-            </a:bodyPr>
-            <a:lstStyle/>
-            <a:p>
-              <a:r>
-                <a:rPr lang="fr-FR" sz="1600" dirty="0"/>
-                <a:t>T° réelle</a:t>
-              </a:r>
-              <a:endParaRPr lang="fr-CA" sz="1600" dirty="0"/>
-            </a:p>
-          </p:txBody>
-        </p:sp>
-        <p:sp>
-          <p:nvSpPr>
-            <p:cNvPr id="92" name="ZoneTexte 91">
-              <a:extLst>
-                <a:ext uri="{FF2B5EF4-FFF2-40B4-BE49-F238E27FC236}">
-                  <a16:creationId xmlns:a16="http://schemas.microsoft.com/office/drawing/2014/main" id="{99364971-6885-D9C3-9CA2-2497739FB8BD}"/>
-                </a:ext>
-              </a:extLst>
-            </p:cNvPr>
-            <p:cNvSpPr txBox="1"/>
-            <p:nvPr/>
-          </p:nvSpPr>
-          <p:spPr>
-            <a:xfrm>
-              <a:off x="3408999" y="1342638"/>
-              <a:ext cx="2443017" cy="338554"/>
-            </a:xfrm>
-            <a:prstGeom prst="rect">
-              <a:avLst/>
-            </a:prstGeom>
-            <a:noFill/>
-          </p:spPr>
-          <p:txBody>
-            <a:bodyPr wrap="square" rtlCol="0">
-              <a:spAutoFit/>
-            </a:bodyPr>
-            <a:lstStyle/>
-            <a:p>
-              <a:r>
-                <a:rPr lang="fr-FR" sz="1600" dirty="0"/>
-                <a:t>Consigne de vitesse</a:t>
-              </a:r>
-              <a:endParaRPr lang="fr-CA" sz="1600" dirty="0"/>
-            </a:p>
-          </p:txBody>
-        </p:sp>
-        <p:sp>
-          <p:nvSpPr>
-            <p:cNvPr id="93" name="ZoneTexte 92">
-              <a:extLst>
-                <a:ext uri="{FF2B5EF4-FFF2-40B4-BE49-F238E27FC236}">
-                  <a16:creationId xmlns:a16="http://schemas.microsoft.com/office/drawing/2014/main" id="{C4D90F32-D664-B3FD-9C3D-1AC23D26F5B0}"/>
-                </a:ext>
-              </a:extLst>
-            </p:cNvPr>
-            <p:cNvSpPr txBox="1"/>
-            <p:nvPr/>
-          </p:nvSpPr>
-          <p:spPr>
-            <a:xfrm>
-              <a:off x="3035085" y="2826864"/>
-              <a:ext cx="1815547" cy="338554"/>
-            </a:xfrm>
-            <a:prstGeom prst="rect">
-              <a:avLst/>
-            </a:prstGeom>
-            <a:noFill/>
-          </p:spPr>
-          <p:txBody>
-            <a:bodyPr wrap="square" rtlCol="0">
-              <a:spAutoFit/>
-            </a:bodyPr>
-            <a:lstStyle/>
-            <a:p>
-              <a:r>
-                <a:rPr lang="fr-FR" sz="1600" dirty="0"/>
-                <a:t>Consigne de T°</a:t>
-              </a:r>
-              <a:endParaRPr lang="fr-CA" sz="1600" dirty="0"/>
-            </a:p>
-          </p:txBody>
-        </p:sp>
-        <p:sp>
-          <p:nvSpPr>
-            <p:cNvPr id="95" name="ZoneTexte 94">
-              <a:extLst>
-                <a:ext uri="{FF2B5EF4-FFF2-40B4-BE49-F238E27FC236}">
-                  <a16:creationId xmlns:a16="http://schemas.microsoft.com/office/drawing/2014/main" id="{47415F98-B283-7DC2-3AA1-47361C3E4C22}"/>
-                </a:ext>
-              </a:extLst>
-            </p:cNvPr>
-            <p:cNvSpPr txBox="1"/>
-            <p:nvPr/>
-          </p:nvSpPr>
-          <p:spPr>
-            <a:xfrm>
-              <a:off x="4102588" y="3918515"/>
-              <a:ext cx="1973393" cy="338554"/>
-            </a:xfrm>
-            <a:prstGeom prst="rect">
-              <a:avLst/>
-            </a:prstGeom>
-            <a:noFill/>
-          </p:spPr>
-          <p:txBody>
-            <a:bodyPr wrap="square" rtlCol="0">
-              <a:spAutoFit/>
-            </a:bodyPr>
-            <a:lstStyle/>
-            <a:p>
-              <a:r>
-                <a:rPr lang="fr-FR" sz="1600" dirty="0"/>
-                <a:t>Diamètre fibre</a:t>
-              </a:r>
-              <a:endParaRPr lang="fr-CA" sz="1600" dirty="0"/>
-            </a:p>
-          </p:txBody>
-        </p:sp>
-        <p:sp>
-          <p:nvSpPr>
-            <p:cNvPr id="96" name="ZoneTexte 95">
-              <a:extLst>
-                <a:ext uri="{FF2B5EF4-FFF2-40B4-BE49-F238E27FC236}">
-                  <a16:creationId xmlns:a16="http://schemas.microsoft.com/office/drawing/2014/main" id="{DEC2B19C-B436-3045-9791-2D5BE7ED8D70}"/>
-                </a:ext>
-              </a:extLst>
-            </p:cNvPr>
-            <p:cNvSpPr txBox="1"/>
-            <p:nvPr/>
-          </p:nvSpPr>
-          <p:spPr>
-            <a:xfrm>
-              <a:off x="6552405" y="4316153"/>
-              <a:ext cx="1556447" cy="338554"/>
-            </a:xfrm>
-            <a:prstGeom prst="rect">
-              <a:avLst/>
-            </a:prstGeom>
-            <a:noFill/>
-          </p:spPr>
-          <p:txBody>
-            <a:bodyPr wrap="square" rtlCol="0">
-              <a:spAutoFit/>
-            </a:bodyPr>
-            <a:lstStyle/>
-            <a:p>
-              <a:r>
-                <a:rPr lang="fr-FR" sz="1600" dirty="0"/>
-                <a:t>V1</a:t>
-              </a:r>
-              <a:endParaRPr lang="fr-CA" sz="1600" dirty="0"/>
-            </a:p>
-          </p:txBody>
-        </p:sp>
-        <p:sp>
-          <p:nvSpPr>
-            <p:cNvPr id="98" name="ZoneTexte 97">
-              <a:extLst>
-                <a:ext uri="{FF2B5EF4-FFF2-40B4-BE49-F238E27FC236}">
-                  <a16:creationId xmlns:a16="http://schemas.microsoft.com/office/drawing/2014/main" id="{E7E3CB94-3A47-695E-F44F-8F34F432BFB6}"/>
-                </a:ext>
-              </a:extLst>
-            </p:cNvPr>
-            <p:cNvSpPr txBox="1"/>
-            <p:nvPr/>
-          </p:nvSpPr>
-          <p:spPr>
-            <a:xfrm>
-              <a:off x="2563033" y="5564199"/>
-              <a:ext cx="1952625" cy="338554"/>
-            </a:xfrm>
-            <a:prstGeom prst="rect">
-              <a:avLst/>
-            </a:prstGeom>
-            <a:noFill/>
-          </p:spPr>
-          <p:txBody>
-            <a:bodyPr wrap="square" rtlCol="0">
-              <a:spAutoFit/>
-            </a:bodyPr>
-            <a:lstStyle/>
-            <a:p>
-              <a:r>
-                <a:rPr lang="fr-FR" sz="1600" dirty="0"/>
-                <a:t>Consigne de vitesse</a:t>
-              </a:r>
-              <a:endParaRPr lang="fr-CA" sz="1600" dirty="0"/>
-            </a:p>
-          </p:txBody>
-        </p:sp>
-        <p:sp>
-          <p:nvSpPr>
-            <p:cNvPr id="100" name="ZoneTexte 99">
-              <a:extLst>
-                <a:ext uri="{FF2B5EF4-FFF2-40B4-BE49-F238E27FC236}">
-                  <a16:creationId xmlns:a16="http://schemas.microsoft.com/office/drawing/2014/main" id="{5A65B6DE-A99A-7DDA-E5A9-7970A117D537}"/>
-                </a:ext>
-              </a:extLst>
-            </p:cNvPr>
-            <p:cNvSpPr txBox="1"/>
-            <p:nvPr/>
-          </p:nvSpPr>
-          <p:spPr>
-            <a:xfrm>
-              <a:off x="2726220" y="4193043"/>
-              <a:ext cx="1724025" cy="584775"/>
-            </a:xfrm>
-            <a:prstGeom prst="rect">
-              <a:avLst/>
-            </a:prstGeom>
-            <a:noFill/>
-          </p:spPr>
-          <p:txBody>
-            <a:bodyPr wrap="square">
-              <a:spAutoFit/>
-            </a:bodyPr>
-            <a:lstStyle/>
-            <a:p>
-              <a:r>
-                <a:rPr lang="fr-FR" sz="1600" dirty="0"/>
-                <a:t>Vitesse réelle (V1)</a:t>
-              </a:r>
-              <a:endParaRPr lang="fr-CA" sz="1600" dirty="0"/>
-            </a:p>
-          </p:txBody>
-        </p:sp>
-      </p:grpSp>
-      <p:sp>
-        <p:nvSpPr>
-          <p:cNvPr id="101" name="ZoneTexte 100">
-            <a:extLst>
-              <a:ext uri="{FF2B5EF4-FFF2-40B4-BE49-F238E27FC236}">
-                <a16:creationId xmlns:a16="http://schemas.microsoft.com/office/drawing/2014/main" id="{114A34DD-9502-8A2C-196E-2E46F1EF65EF}"/>
-              </a:ext>
-            </a:extLst>
-          </p:cNvPr>
-          <p:cNvSpPr txBox="1"/>
-          <p:nvPr/>
-        </p:nvSpPr>
-        <p:spPr>
-          <a:xfrm>
-            <a:off x="10644866" y="4432950"/>
-            <a:ext cx="1478178" cy="584775"/>
-          </a:xfrm>
-          <a:prstGeom prst="rect">
-            <a:avLst/>
-          </a:prstGeom>
-          <a:noFill/>
-        </p:spPr>
-        <p:txBody>
-          <a:bodyPr wrap="square" rtlCol="0">
-            <a:spAutoFit/>
-          </a:bodyPr>
-          <a:lstStyle/>
-          <a:p>
-            <a:r>
-              <a:rPr lang="fr-FR" sz="1600" dirty="0"/>
-              <a:t>Lancement process </a:t>
-            </a:r>
-            <a:endParaRPr lang="fr-CA" sz="1600" dirty="0"/>
-          </a:p>
-        </p:txBody>
-      </p:sp>
-      <p:sp>
-        <p:nvSpPr>
-          <p:cNvPr id="109" name="ZoneTexte 108">
-            <a:extLst>
-              <a:ext uri="{FF2B5EF4-FFF2-40B4-BE49-F238E27FC236}">
-                <a16:creationId xmlns:a16="http://schemas.microsoft.com/office/drawing/2014/main" id="{259D4532-D09C-39B1-2B79-F55B21D69826}"/>
-              </a:ext>
-            </a:extLst>
-          </p:cNvPr>
-          <p:cNvSpPr txBox="1"/>
-          <p:nvPr/>
-        </p:nvSpPr>
-        <p:spPr>
-          <a:xfrm>
-            <a:off x="9425630" y="5080629"/>
-            <a:ext cx="1086284" cy="646331"/>
-          </a:xfrm>
-          <a:prstGeom prst="rect">
-            <a:avLst/>
-          </a:prstGeom>
-          <a:noFill/>
-        </p:spPr>
-        <p:txBody>
-          <a:bodyPr wrap="square" rtlCol="0">
-            <a:spAutoFit/>
-          </a:bodyPr>
-          <a:lstStyle/>
-          <a:p>
-            <a:r>
-              <a:rPr lang="fr-FR" dirty="0"/>
-              <a:t>V1 V2 D</a:t>
-            </a:r>
-            <a:r>
-              <a:rPr lang="fr-FR" baseline="-25000" dirty="0"/>
-              <a:t>fibre</a:t>
-            </a:r>
-            <a:endParaRPr lang="fr-CA" baseline="-25000" dirty="0"/>
-          </a:p>
-        </p:txBody>
-      </p:sp>
       <p:cxnSp>
         <p:nvCxnSpPr>
-          <p:cNvPr id="111" name="Connecteur : en angle 110">
-            <a:extLst>
-              <a:ext uri="{FF2B5EF4-FFF2-40B4-BE49-F238E27FC236}">
-                <a16:creationId xmlns:a16="http://schemas.microsoft.com/office/drawing/2014/main" id="{44E44552-EEDC-E6E4-E811-F5A30729B682}"/>
+          <p:cNvPr id="48" name="Connecteur droit avec flèche 47">
+            <a:extLst>
+              <a:ext uri="{FF2B5EF4-FFF2-40B4-BE49-F238E27FC236}">
+                <a16:creationId xmlns:a16="http://schemas.microsoft.com/office/drawing/2014/main" id="{74BAB421-D44D-D7EC-C9AB-BA2E175CBC30}"/>
               </a:ext>
             </a:extLst>
           </p:cNvPr>
           <p:cNvCxnSpPr>
             <a:cxnSpLocks/>
+            <a:stCxn id="44" idx="1"/>
+            <a:endCxn id="43" idx="3"/>
           </p:cNvCxnSpPr>
           <p:nvPr/>
         </p:nvCxnSpPr>
         <p:spPr>
-          <a:xfrm>
-            <a:off x="7576930" y="1280235"/>
-            <a:ext cx="1233695" cy="704973"/>
+          <a:xfrm flipH="1" flipV="1">
+            <a:off x="2621568" y="3228219"/>
+            <a:ext cx="373226" cy="3132"/>
+          </a:xfrm>
+          <a:prstGeom prst="straightConnector1">
+            <a:avLst/>
+          </a:prstGeom>
+          <a:ln>
+            <a:tailEnd type="triangle"/>
+          </a:ln>
+        </p:spPr>
+        <p:style>
+          <a:lnRef idx="3">
+            <a:schemeClr val="dk1"/>
+          </a:lnRef>
+          <a:fillRef idx="0">
+            <a:schemeClr val="dk1"/>
+          </a:fillRef>
+          <a:effectRef idx="2">
+            <a:schemeClr val="dk1"/>
+          </a:effectRef>
+          <a:fontRef idx="minor">
+            <a:schemeClr val="tx1"/>
+          </a:fontRef>
+        </p:style>
+      </p:cxnSp>
+      <p:cxnSp>
+        <p:nvCxnSpPr>
+          <p:cNvPr id="52" name="Connecteur : en angle 51">
+            <a:extLst>
+              <a:ext uri="{FF2B5EF4-FFF2-40B4-BE49-F238E27FC236}">
+                <a16:creationId xmlns:a16="http://schemas.microsoft.com/office/drawing/2014/main" id="{A2F837B4-A5E3-6C1F-D736-D2F98CABCCA5}"/>
+              </a:ext>
+            </a:extLst>
+          </p:cNvPr>
+          <p:cNvCxnSpPr>
+            <a:cxnSpLocks/>
+            <a:endCxn id="10" idx="1"/>
+          </p:cNvCxnSpPr>
+          <p:nvPr/>
+        </p:nvCxnSpPr>
+        <p:spPr>
+          <a:xfrm flipV="1">
+            <a:off x="2640242" y="3070527"/>
+            <a:ext cx="4781658" cy="1200420"/>
           </a:xfrm>
           <a:prstGeom prst="bentConnector3">
             <a:avLst>
-              <a:gd name="adj1" fmla="val 100185"/>
+              <a:gd name="adj1" fmla="val 86934"/>
             </a:avLst>
           </a:prstGeom>
           <a:ln>
@@ -4891,12 +5047,55 @@
           </a:fontRef>
         </p:style>
       </p:cxnSp>
-      <p:sp>
-        <p:nvSpPr>
-          <p:cNvPr id="119" name="ZoneTexte 118">
-            <a:extLst>
-              <a:ext uri="{FF2B5EF4-FFF2-40B4-BE49-F238E27FC236}">
-                <a16:creationId xmlns:a16="http://schemas.microsoft.com/office/drawing/2014/main" id="{508788A0-5F52-21D7-7CA6-E6249B71A0A5}"/>
+      <p:cxnSp>
+        <p:nvCxnSpPr>
+          <p:cNvPr id="59" name="Connecteur : en angle 58">
+            <a:extLst>
+              <a:ext uri="{FF2B5EF4-FFF2-40B4-BE49-F238E27FC236}">
+                <a16:creationId xmlns:a16="http://schemas.microsoft.com/office/drawing/2014/main" id="{DF2D1487-3960-9261-8522-EBB96EC878BC}"/>
+              </a:ext>
+            </a:extLst>
+          </p:cNvPr>
+          <p:cNvCxnSpPr>
+            <a:cxnSpLocks/>
+            <a:stCxn id="28" idx="3"/>
+            <a:endCxn id="10" idx="2"/>
+          </p:cNvCxnSpPr>
+          <p:nvPr/>
+        </p:nvCxnSpPr>
+        <p:spPr>
+          <a:xfrm flipV="1">
+            <a:off x="8223007" y="4163831"/>
+            <a:ext cx="1186719" cy="1311614"/>
+          </a:xfrm>
+          <a:prstGeom prst="bentConnector2">
+            <a:avLst/>
+          </a:prstGeom>
+          <a:ln>
+            <a:tailEnd type="triangle"/>
+          </a:ln>
+        </p:spPr>
+        <p:style>
+          <a:lnRef idx="3">
+            <a:schemeClr val="dk1"/>
+          </a:lnRef>
+          <a:fillRef idx="0">
+            <a:schemeClr val="dk1"/>
+          </a:fillRef>
+          <a:effectRef idx="2">
+            <a:schemeClr val="dk1"/>
+          </a:effectRef>
+          <a:fontRef idx="minor">
+            <a:schemeClr val="tx1"/>
+          </a:fontRef>
+        </p:style>
+      </p:cxnSp>
+      <p:sp>
+        <p:nvSpPr>
+          <p:cNvPr id="65" name="ZoneTexte 64">
+            <a:extLst>
+              <a:ext uri="{FF2B5EF4-FFF2-40B4-BE49-F238E27FC236}">
+                <a16:creationId xmlns:a16="http://schemas.microsoft.com/office/drawing/2014/main" id="{816D9D78-C1A5-47A8-8AA1-07AB6F598C93}"/>
               </a:ext>
             </a:extLst>
           </p:cNvPr>
@@ -4905,8 +5104,8 @@
         </p:nvSpPr>
         <p:spPr>
           <a:xfrm>
-            <a:off x="8189651" y="1529466"/>
-            <a:ext cx="583247" cy="369332"/>
+            <a:off x="10358336" y="4654746"/>
+            <a:ext cx="1469377" cy="584775"/>
           </a:xfrm>
           <a:prstGeom prst="rect">
             <a:avLst/>
@@ -4914,55 +5113,43 @@
           <a:noFill/>
         </p:spPr>
         <p:txBody>
-          <a:bodyPr wrap="square" rtlCol="0">
+          <a:bodyPr wrap="none" rtlCol="0">
             <a:spAutoFit/>
           </a:bodyPr>
           <a:lstStyle/>
           <a:p>
             <a:r>
-              <a:rPr lang="fr-FR" dirty="0"/>
-              <a:t>V2</a:t>
-            </a:r>
-            <a:endParaRPr lang="fr-CA" dirty="0"/>
-          </a:p>
-        </p:txBody>
-      </p:sp>
-    </p:spTree>
-    <p:extLst>
-      <p:ext uri="{BB962C8B-B14F-4D97-AF65-F5344CB8AC3E}">
-        <p14:creationId xmlns:p14="http://schemas.microsoft.com/office/powerpoint/2010/main" val="1092348468"/>
-      </p:ext>
-    </p:extLst>
-  </p:cSld>
-  <p:clrMapOvr>
-    <a:masterClrMapping/>
-  </p:clrMapOvr>
-</p:sld>
-</file>
-
-<file path=ppt/slides/slide2.xml><?xml version="1.0" encoding="utf-8"?>
-<p:sld xmlns:a="http://schemas.openxmlformats.org/drawingml/2006/main" xmlns:r="http://schemas.openxmlformats.org/officeDocument/2006/relationships" xmlns:p="http://schemas.openxmlformats.org/presentationml/2006/main">
-  <p:cSld>
-    <p:spTree>
-      <p:nvGrpSpPr>
-        <p:cNvPr id="1" name=""/>
-        <p:cNvGrpSpPr/>
-        <p:nvPr/>
-      </p:nvGrpSpPr>
-      <p:grpSpPr>
-        <a:xfrm>
-          <a:off x="0" y="0"/>
-          <a:ext cx="0" cy="0"/>
-          <a:chOff x="0" y="0"/>
-          <a:chExt cx="0" cy="0"/>
-        </a:xfrm>
-      </p:grpSpPr>
-      <p:sp>
-        <p:nvSpPr>
-          <p:cNvPr id="4" name="ZoneTexte 3">
-            <a:extLst>
-              <a:ext uri="{FF2B5EF4-FFF2-40B4-BE49-F238E27FC236}">
-                <a16:creationId xmlns:a16="http://schemas.microsoft.com/office/drawing/2014/main" id="{927B5B23-A388-0B5E-5DC6-154F0D9BC818}"/>
+              <a:rPr lang="fr-CA" sz="1600" dirty="0" err="1"/>
+              <a:t>Motor</a:t>
+            </a:r>
+            <a:r>
+              <a:rPr lang="fr-CA" sz="1600" dirty="0"/>
+              <a:t> speeds</a:t>
+            </a:r>
+          </a:p>
+          <a:p>
+            <a:r>
+              <a:rPr lang="fr-CA" sz="1600" dirty="0" err="1"/>
+              <a:t>Fiber</a:t>
+            </a:r>
+            <a:r>
+              <a:rPr lang="fr-CA" sz="1600" dirty="0"/>
+              <a:t> </a:t>
+            </a:r>
+            <a:r>
+              <a:rPr lang="fr-CA" sz="1600" dirty="0" err="1"/>
+              <a:t>diameter</a:t>
+            </a:r>
+            <a:endParaRPr lang="fr-CA" sz="1600" dirty="0"/>
+          </a:p>
+        </p:txBody>
+      </p:sp>
+      <p:sp>
+        <p:nvSpPr>
+          <p:cNvPr id="66" name="ZoneTexte 65">
+            <a:extLst>
+              <a:ext uri="{FF2B5EF4-FFF2-40B4-BE49-F238E27FC236}">
+                <a16:creationId xmlns:a16="http://schemas.microsoft.com/office/drawing/2014/main" id="{70EFC88D-40E3-B3E3-752E-9A9615D51008}"/>
               </a:ext>
             </a:extLst>
           </p:cNvPr>
@@ -4971,8 +5158,8 @@
         </p:nvSpPr>
         <p:spPr>
           <a:xfrm>
-            <a:off x="1343025" y="457200"/>
-            <a:ext cx="9277350" cy="2862322"/>
+            <a:off x="7387505" y="4187613"/>
+            <a:ext cx="2130776" cy="830997"/>
           </a:xfrm>
           <a:prstGeom prst="rect">
             <a:avLst/>
@@ -4980,103 +5167,35 @@
           <a:noFill/>
         </p:spPr>
         <p:txBody>
-          <a:bodyPr wrap="square" rtlCol="0">
+          <a:bodyPr wrap="none" rtlCol="0">
             <a:spAutoFit/>
           </a:bodyPr>
           <a:lstStyle/>
           <a:p>
             <a:r>
-              <a:rPr lang="fr-FR" dirty="0"/>
-              <a:t>Liste de choses à faire par priorité :</a:t>
-            </a:r>
-          </a:p>
-          <a:p>
-            <a:r>
-              <a:rPr lang="fr-FR" dirty="0"/>
-              <a:t>1_ Connecter les moteurs aux driver M415B  et communiquer avec eux via l’Arduino </a:t>
-            </a:r>
-          </a:p>
-          <a:p>
-            <a:r>
-              <a:rPr lang="fr-FR" dirty="0"/>
-              <a:t>2_ refonte quasi complète de l’application </a:t>
-            </a:r>
-          </a:p>
-          <a:p>
-            <a:r>
-              <a:rPr lang="fr-FR" dirty="0"/>
-              <a:t>3_ Faire un bouton permettant de lancer le moteur de la préforme depuis l’application</a:t>
-            </a:r>
-          </a:p>
-          <a:p>
-            <a:r>
-              <a:rPr lang="fr-FR" dirty="0"/>
-              <a:t>4_Faire la communication Arduino-laser sensor pour obtenir le diamètre en temps réel </a:t>
-            </a:r>
-          </a:p>
-          <a:p>
-            <a:r>
-              <a:rPr lang="fr-FR" dirty="0"/>
-              <a:t>5_ Ajuste la vitesse du moteur 2 (cabestan) en fonction du diamètre de fibre réel et celui mis en consigne de l’application. </a:t>
-            </a:r>
-          </a:p>
-          <a:p>
-            <a:r>
-              <a:rPr lang="fr-FR" dirty="0"/>
-              <a:t>Bonus point : réussir à établir la communication Arduino/Omicron afin de pouvoir afficher température du four en temps réel et la changer. De même qu’automatiser tout le process (lancement du four, moteur en attente jusqu’à ce que T° réelle = T° consigne)</a:t>
-            </a:r>
-          </a:p>
-        </p:txBody>
-      </p:sp>
-      <p:sp>
-        <p:nvSpPr>
-          <p:cNvPr id="6" name="ZoneTexte 5">
-            <a:extLst>
-              <a:ext uri="{FF2B5EF4-FFF2-40B4-BE49-F238E27FC236}">
-                <a16:creationId xmlns:a16="http://schemas.microsoft.com/office/drawing/2014/main" id="{1F90B9BE-10A5-1690-98E2-52CAAEEC4D08}"/>
-              </a:ext>
-            </a:extLst>
-          </p:cNvPr>
-          <p:cNvSpPr txBox="1"/>
-          <p:nvPr/>
-        </p:nvSpPr>
-        <p:spPr>
-          <a:xfrm>
-            <a:off x="1343025" y="3538478"/>
-            <a:ext cx="9277350" cy="1477328"/>
-          </a:xfrm>
-          <a:prstGeom prst="rect">
-            <a:avLst/>
-          </a:prstGeom>
-          <a:noFill/>
-        </p:spPr>
-        <p:txBody>
-          <a:bodyPr wrap="square" rtlCol="0">
-            <a:spAutoFit/>
-          </a:bodyPr>
-          <a:lstStyle/>
-          <a:p>
-            <a:r>
-              <a:rPr lang="fr-FR" dirty="0"/>
-              <a:t>Prérequis pour effectuer les tâches :</a:t>
-            </a:r>
-          </a:p>
-          <a:p>
-            <a:r>
-              <a:rPr lang="fr-FR" dirty="0"/>
-              <a:t>1_ Comprendre la communication Serial/Pyserial et la conversion de script Arduino en python</a:t>
-            </a:r>
-          </a:p>
-          <a:p>
-            <a:r>
-              <a:rPr lang="fr-FR" dirty="0"/>
-              <a:t>2_ Approfondir connaissance Tkinter et le lien avec Pyserial</a:t>
-            </a:r>
-          </a:p>
-          <a:p>
-            <a:r>
-              <a:rPr lang="fr-FR" dirty="0"/>
-              <a:t>3_ Rechercher différentes datasheets des composants et comprendre les I/O de chacuns.</a:t>
+              <a:rPr lang="fr-CA" sz="1600" dirty="0"/>
+              <a:t>Config data</a:t>
+            </a:r>
+          </a:p>
+          <a:p>
+            <a:r>
+              <a:rPr lang="fr-CA" sz="1600" dirty="0"/>
+              <a:t>Start/Stop </a:t>
+            </a:r>
+            <a:r>
+              <a:rPr lang="fr-CA" sz="1600" dirty="0" err="1"/>
+              <a:t>commands</a:t>
+            </a:r>
+            <a:endParaRPr lang="fr-CA" sz="1600" dirty="0"/>
+          </a:p>
+          <a:p>
+            <a:r>
+              <a:rPr lang="fr-CA" sz="1600" dirty="0" err="1"/>
+              <a:t>Diameter</a:t>
+            </a:r>
+            <a:r>
+              <a:rPr lang="fr-CA" sz="1600" dirty="0"/>
+              <a:t> command</a:t>
             </a:r>
           </a:p>
         </p:txBody>
@@ -5084,7 +5203,7 @@
     </p:spTree>
     <p:extLst>
       <p:ext uri="{BB962C8B-B14F-4D97-AF65-F5344CB8AC3E}">
-        <p14:creationId xmlns:p14="http://schemas.microsoft.com/office/powerpoint/2010/main" val="1972740613"/>
+        <p14:creationId xmlns:p14="http://schemas.microsoft.com/office/powerpoint/2010/main" val="1092348468"/>
       </p:ext>
     </p:extLst>
   </p:cSld>
